--- a/advanced-analysis-first-steps.pptx
+++ b/advanced-analysis-first-steps.pptx
@@ -5,28 +5,26 @@
     <p:sldMasterId id="2147483648" r:id="rId1"/>
   </p:sldMasterIdLst>
   <p:notesMasterIdLst>
-    <p:notesMasterId r:id="rId21"/>
+    <p:notesMasterId r:id="rId19"/>
   </p:notesMasterIdLst>
   <p:sldIdLst>
     <p:sldId id="445" r:id="rId2"/>
     <p:sldId id="358" r:id="rId3"/>
     <p:sldId id="258" r:id="rId4"/>
-    <p:sldId id="439" r:id="rId5"/>
-    <p:sldId id="434" r:id="rId6"/>
+    <p:sldId id="434" r:id="rId5"/>
+    <p:sldId id="439" r:id="rId6"/>
     <p:sldId id="436" r:id="rId7"/>
     <p:sldId id="442" r:id="rId8"/>
-    <p:sldId id="437" r:id="rId9"/>
-    <p:sldId id="443" r:id="rId10"/>
-    <p:sldId id="444" r:id="rId11"/>
-    <p:sldId id="425" r:id="rId12"/>
-    <p:sldId id="394" r:id="rId13"/>
-    <p:sldId id="364" r:id="rId14"/>
-    <p:sldId id="429" r:id="rId15"/>
-    <p:sldId id="430" r:id="rId16"/>
-    <p:sldId id="432" r:id="rId17"/>
-    <p:sldId id="431" r:id="rId18"/>
-    <p:sldId id="372" r:id="rId19"/>
-    <p:sldId id="446" r:id="rId20"/>
+    <p:sldId id="444" r:id="rId9"/>
+    <p:sldId id="425" r:id="rId10"/>
+    <p:sldId id="394" r:id="rId11"/>
+    <p:sldId id="364" r:id="rId12"/>
+    <p:sldId id="429" r:id="rId13"/>
+    <p:sldId id="430" r:id="rId14"/>
+    <p:sldId id="432" r:id="rId15"/>
+    <p:sldId id="431" r:id="rId16"/>
+    <p:sldId id="372" r:id="rId17"/>
+    <p:sldId id="446" r:id="rId18"/>
   </p:sldIdLst>
   <p:sldSz cx="18288000" cy="10287000"/>
   <p:notesSz cx="6858000" cy="9144000"/>
@@ -244,7 +242,7 @@
           <a:p>
             <a:fld id="{17A98A70-FA8C-4354-959C-C70678AC9BCF}" type="datetimeFigureOut">
               <a:rPr lang="en-US" smtClean="0"/>
-              <a:t>1/27/2025</a:t>
+              <a:t>1/30/2025</a:t>
             </a:fld>
             <a:endParaRPr lang="en-US"/>
           </a:p>
@@ -639,15 +637,6 @@
           <a:bodyPr/>
           <a:lstStyle/>
           <a:p>
-            <a:r>
-              <a:rPr lang="en-US" dirty="0"/>
-              <a:t>https://stringfestanalytics.com/the-end-of-dax-and-m-how-ai-and-python-are-transforming-excel/</a:t>
-            </a:r>
-          </a:p>
-          <a:p>
-            <a:endParaRPr lang="en-US" dirty="0"/>
-          </a:p>
-          <a:p>
             <a:pPr algn="l" rtl="0">
               <a:lnSpc>
                 <a:spcPts val="1500"/>
@@ -670,393 +659,6 @@
                 <a:effectLst/>
                 <a:latin typeface="Arial" panose="020B0604020202020204" pitchFamily="34" charset="0"/>
               </a:rPr>
-              <a:t>To get started, I want to discuss why the combination of Python, Copilot, and Excel creates such a powerful synergy in data analysis and automation. Python is renowned for its simplicity and readability, making it an excellent 'glue' language. Unlike Excel's complex architecture, Python offers a smooth, snag-free experience for developers. Its syntax is clean and intuitive, which reduces errors and makes code maintenance easier. This simplicity is crucial when integrating different tools and workflows.</a:t>
-            </a:r>
-          </a:p>
-          <a:p>
-            <a:pPr algn="l" rtl="0">
-              <a:lnSpc>
-                <a:spcPts val="1500"/>
-              </a:lnSpc>
-            </a:pPr>
-            <a:br>
-              <a:rPr lang="en-US" dirty="0"/>
-            </a:br>
-            <a:r>
-              <a:rPr lang="en-US" b="0" u="none" strike="noStrike" dirty="0">
-                <a:solidFill>
-                  <a:srgbClr val="000000"/>
-                </a:solidFill>
-                <a:effectLst/>
-                <a:latin typeface="Arial" panose="020B0604020202020204" pitchFamily="34" charset="0"/>
-              </a:rPr>
-              <a:t>Copilot excels at working with Python code because of Python's extensive and well-documented codebase. This vast repository provides a rich learning ground for Copilot's machine learning model. As an AI pair programmer, Copilot leverages this knowledge to suggest code completions, write entire functions, and even help debug Python scripts in real-time, enhancing productivity significantly.</a:t>
-            </a:r>
-          </a:p>
-          <a:p>
-            <a:pPr algn="l" rtl="0">
-              <a:lnSpc>
-                <a:spcPts val="1500"/>
-              </a:lnSpc>
-            </a:pPr>
-            <a:br>
-              <a:rPr lang="en-US" dirty="0"/>
-            </a:br>
-            <a:r>
-              <a:rPr lang="en-US" b="0" u="none" strike="noStrike" dirty="0">
-                <a:solidFill>
-                  <a:srgbClr val="000000"/>
-                </a:solidFill>
-                <a:effectLst/>
-                <a:latin typeface="Arial" panose="020B0604020202020204" pitchFamily="34" charset="0"/>
-              </a:rPr>
-              <a:t>Excel, while powerful, has been the subject of many jokes regarding its data integrity issues. The humor in the slide points out Excel's tendency to misinterpret data, like turning dates into numbers or mixing up different data types. Additionally, Excel's architecture with separate components like Power Query for data transformation, Power Pivot for data modeling, and VBA for automation, creates silos which can be challenging to integrate seamlessly.</a:t>
-            </a:r>
-          </a:p>
-          <a:p>
-            <a:pPr algn="l" rtl="0">
-              <a:lnSpc>
-                <a:spcPts val="1500"/>
-              </a:lnSpc>
-            </a:pPr>
-            <a:br>
-              <a:rPr lang="en-US" dirty="0"/>
-            </a:br>
-            <a:r>
-              <a:rPr lang="en-US" b="0" u="none" strike="noStrike" dirty="0">
-                <a:solidFill>
-                  <a:srgbClr val="000000"/>
-                </a:solidFill>
-                <a:effectLst/>
-                <a:latin typeface="Arial" panose="020B0604020202020204" pitchFamily="34" charset="0"/>
-              </a:rPr>
-              <a:t>Integrating Python with Excel through tools like Python's </a:t>
-            </a:r>
-            <a:r>
-              <a:rPr lang="en-US" sz="1800" b="0" u="none" strike="noStrike" dirty="0">
-                <a:solidFill>
-                  <a:srgbClr val="000000"/>
-                </a:solidFill>
-                <a:effectLst/>
-                <a:latin typeface="Courier New" panose="02070309020205020404" pitchFamily="49" charset="0"/>
-              </a:rPr>
-              <a:t>pandas</a:t>
-            </a:r>
-            <a:r>
-              <a:rPr lang="en-US" b="0" u="none" strike="noStrike" dirty="0">
-                <a:solidFill>
-                  <a:srgbClr val="000000"/>
-                </a:solidFill>
-                <a:effectLst/>
-                <a:latin typeface="Arial" panose="020B0604020202020204" pitchFamily="34" charset="0"/>
-              </a:rPr>
-              <a:t> library or Excel's Python add-ins allows us to leverage Excel's user-friendly interface while overcoming its limitations with Python's robust data handling capabilities. Copilot acts as the bridge, providing intelligent coding assistance in Python, which can then interact with Excel data, making data manipulation, analysis, and visualization more efficient and less error-prone.</a:t>
-            </a:r>
-          </a:p>
-          <a:p>
-            <a:pPr algn="l" rtl="0">
-              <a:lnSpc>
-                <a:spcPts val="1500"/>
-              </a:lnSpc>
-            </a:pPr>
-            <a:br>
-              <a:rPr lang="en-US" dirty="0"/>
-            </a:br>
-            <a:r>
-              <a:rPr lang="en-US" b="0" u="none" strike="noStrike" dirty="0">
-                <a:solidFill>
-                  <a:srgbClr val="000000"/>
-                </a:solidFill>
-                <a:effectLst/>
-                <a:latin typeface="Arial" panose="020B0604020202020204" pitchFamily="34" charset="0"/>
-              </a:rPr>
-              <a:t>Given the trend towards more open, flexible, and integrated tools, the future seems less promising for proprietary languages like Excel's VBA. Python's open-source nature, coupled with AI assistance from tools like Copilot, offers a scalable and future-proof solution. This crossover not only enhances current workflows but also prepares us for future advancements in AI and data science, where Python will likely continue to play a leading role.</a:t>
-            </a:r>
-          </a:p>
-          <a:p>
-            <a:pPr algn="l" rtl="0">
-              <a:lnSpc>
-                <a:spcPts val="1500"/>
-              </a:lnSpc>
-            </a:pPr>
-            <a:br>
-              <a:rPr lang="en-US" dirty="0"/>
-            </a:br>
-            <a:r>
-              <a:rPr lang="en-US" b="0" u="none" strike="noStrike" dirty="0">
-                <a:solidFill>
-                  <a:srgbClr val="000000"/>
-                </a:solidFill>
-                <a:effectLst/>
-                <a:latin typeface="Arial" panose="020B0604020202020204" pitchFamily="34" charset="0"/>
-              </a:rPr>
-              <a:t>In summary, the combination of Python's simplicity, Copilot's AI-driven assistance, and Excel's widespread use creates a dynamic ecosystem. It addresses Excel's weaknesses while capitalizing on Python's strengths, making this trio a formidable force in data-driven environments.</a:t>
-            </a:r>
-          </a:p>
-          <a:p>
-            <a:endParaRPr lang="en-US" dirty="0"/>
-          </a:p>
-        </p:txBody>
-      </p:sp>
-      <p:sp>
-        <p:nvSpPr>
-          <p:cNvPr id="4" name="Slide Number Placeholder 3"/>
-          <p:cNvSpPr>
-            <a:spLocks noGrp="1"/>
-          </p:cNvSpPr>
-          <p:nvPr>
-            <p:ph type="sldNum" sz="quarter" idx="5"/>
-          </p:nvPr>
-        </p:nvSpPr>
-        <p:spPr/>
-        <p:txBody>
-          <a:bodyPr/>
-          <a:lstStyle/>
-          <a:p>
-            <a:fld id="{FFB500C5-13F7-48FC-8160-C29AECF6C602}" type="slidenum">
-              <a:rPr lang="en-US" smtClean="0"/>
-              <a:t>12</a:t>
-            </a:fld>
-            <a:endParaRPr lang="en-US"/>
-          </a:p>
-        </p:txBody>
-      </p:sp>
-    </p:spTree>
-    <p:extLst>
-      <p:ext uri="{BB962C8B-B14F-4D97-AF65-F5344CB8AC3E}">
-        <p14:creationId xmlns:p14="http://schemas.microsoft.com/office/powerpoint/2010/main" val="2469045808"/>
-      </p:ext>
-    </p:extLst>
-  </p:cSld>
-  <p:clrMapOvr>
-    <a:masterClrMapping/>
-  </p:clrMapOvr>
-</p:notes>
-</file>
-
-<file path=ppt/notesSlides/notesSlide11.xml><?xml version="1.0" encoding="utf-8"?>
-<p:notes xmlns:a="http://schemas.openxmlformats.org/drawingml/2006/main" xmlns:r="http://schemas.openxmlformats.org/officeDocument/2006/relationships" xmlns:p="http://schemas.openxmlformats.org/presentationml/2006/main">
-  <p:cSld>
-    <p:spTree>
-      <p:nvGrpSpPr>
-        <p:cNvPr id="1" name=""/>
-        <p:cNvGrpSpPr/>
-        <p:nvPr/>
-      </p:nvGrpSpPr>
-      <p:grpSpPr>
-        <a:xfrm>
-          <a:off x="0" y="0"/>
-          <a:ext cx="0" cy="0"/>
-          <a:chOff x="0" y="0"/>
-          <a:chExt cx="0" cy="0"/>
-        </a:xfrm>
-      </p:grpSpPr>
-      <p:sp>
-        <p:nvSpPr>
-          <p:cNvPr id="2" name="Slide Image Placeholder 1"/>
-          <p:cNvSpPr>
-            <a:spLocks noGrp="1" noRot="1" noChangeAspect="1"/>
-          </p:cNvSpPr>
-          <p:nvPr>
-            <p:ph type="sldImg"/>
-          </p:nvPr>
-        </p:nvSpPr>
-        <p:spPr/>
-      </p:sp>
-      <p:sp>
-        <p:nvSpPr>
-          <p:cNvPr id="3" name="Notes Placeholder 2"/>
-          <p:cNvSpPr>
-            <a:spLocks noGrp="1"/>
-          </p:cNvSpPr>
-          <p:nvPr>
-            <p:ph type="body" idx="1"/>
-          </p:nvPr>
-        </p:nvSpPr>
-        <p:spPr/>
-        <p:txBody>
-          <a:bodyPr/>
-          <a:lstStyle/>
-          <a:p>
-            <a:r>
-              <a:rPr lang="en-US" b="0" i="0" dirty="0">
-                <a:solidFill>
-                  <a:srgbClr val="000000"/>
-                </a:solidFill>
-                <a:effectLst/>
-                <a:latin typeface="Arial" panose="020B0604020202020204" pitchFamily="34" charset="0"/>
-              </a:rPr>
-              <a:t>In our discussion today about the future of Excel, we've focused on the integration of Python for backend data analysis, advanced charting, and machine learning, which offers powerful data manipulation capabilities through libraries like pandas and extensive visualization options with libraries like matplotlib and seaborn. </a:t>
-            </a:r>
-          </a:p>
-          <a:p>
-            <a:endParaRPr lang="en-US" b="0" i="0" dirty="0">
-              <a:solidFill>
-                <a:srgbClr val="000000"/>
-              </a:solidFill>
-              <a:effectLst/>
-              <a:latin typeface="Arial" panose="020B0604020202020204" pitchFamily="34" charset="0"/>
-            </a:endParaRPr>
-          </a:p>
-          <a:p>
-            <a:r>
-              <a:rPr lang="en-US" b="0" i="0" dirty="0">
-                <a:solidFill>
-                  <a:srgbClr val="000000"/>
-                </a:solidFill>
-                <a:effectLst/>
-                <a:latin typeface="Arial" panose="020B0604020202020204" pitchFamily="34" charset="0"/>
-              </a:rPr>
-              <a:t>Excel itself continues to shine with its frontend formatting, usability, and interactive dashboards, providing a user-friendly interface that's well-suited for widespread usage, formatting, and presentation. </a:t>
-            </a:r>
-          </a:p>
-          <a:p>
-            <a:endParaRPr lang="en-US" b="0" i="0" dirty="0">
-              <a:solidFill>
-                <a:srgbClr val="000000"/>
-              </a:solidFill>
-              <a:effectLst/>
-              <a:latin typeface="Arial" panose="020B0604020202020204" pitchFamily="34" charset="0"/>
-            </a:endParaRPr>
-          </a:p>
-          <a:p>
-            <a:r>
-              <a:rPr lang="en-US" b="0" i="0" dirty="0">
-                <a:solidFill>
-                  <a:srgbClr val="000000"/>
-                </a:solidFill>
-                <a:effectLst/>
-                <a:latin typeface="Arial" panose="020B0604020202020204" pitchFamily="34" charset="0"/>
-              </a:rPr>
-              <a:t>Now, although we haven't delved into JavaScript today, it's important to note that JavaScript, along with TypeScript, shares similar advantages to Python but in the realm of building applications, add-ins, and more for Excel. JavaScript and TypeScript enable additional add-ins, enhance interactivity, and facilitate web integration, allowing for the building and integration of more complex functionalities. This expands Excel's capabilities into web and app development, making it a versatile tool not just for data analysis but also for creating sophisticated user experiences within Excel's ecosystem. </a:t>
-            </a:r>
-          </a:p>
-          <a:p>
-            <a:endParaRPr lang="en-US" b="0" i="0" dirty="0">
-              <a:solidFill>
-                <a:srgbClr val="000000"/>
-              </a:solidFill>
-              <a:effectLst/>
-              <a:latin typeface="Arial" panose="020B0604020202020204" pitchFamily="34" charset="0"/>
-            </a:endParaRPr>
-          </a:p>
-          <a:p>
-            <a:r>
-              <a:rPr lang="en-US" b="0" i="0" dirty="0">
-                <a:solidFill>
-                  <a:srgbClr val="000000"/>
-                </a:solidFill>
-                <a:effectLst/>
-                <a:latin typeface="Arial" panose="020B0604020202020204" pitchFamily="34" charset="0"/>
-              </a:rPr>
-              <a:t>This synergy between Python, Excel, and JavaScript/TypeScript paints a promising picture for Excel's future, where it can evolve into a more comprehensive platform for both data professionals and developers.</a:t>
-            </a:r>
-            <a:endParaRPr lang="en-US" dirty="0"/>
-          </a:p>
-        </p:txBody>
-      </p:sp>
-      <p:sp>
-        <p:nvSpPr>
-          <p:cNvPr id="4" name="Slide Number Placeholder 3"/>
-          <p:cNvSpPr>
-            <a:spLocks noGrp="1"/>
-          </p:cNvSpPr>
-          <p:nvPr>
-            <p:ph type="sldNum" sz="quarter" idx="5"/>
-          </p:nvPr>
-        </p:nvSpPr>
-        <p:spPr/>
-        <p:txBody>
-          <a:bodyPr/>
-          <a:lstStyle/>
-          <a:p>
-            <a:fld id="{FFB500C5-13F7-48FC-8160-C29AECF6C602}" type="slidenum">
-              <a:rPr lang="en-US" smtClean="0"/>
-              <a:t>16</a:t>
-            </a:fld>
-            <a:endParaRPr lang="en-US"/>
-          </a:p>
-        </p:txBody>
-      </p:sp>
-    </p:spTree>
-    <p:extLst>
-      <p:ext uri="{BB962C8B-B14F-4D97-AF65-F5344CB8AC3E}">
-        <p14:creationId xmlns:p14="http://schemas.microsoft.com/office/powerpoint/2010/main" val="857960786"/>
-      </p:ext>
-    </p:extLst>
-  </p:cSld>
-  <p:clrMapOvr>
-    <a:masterClrMapping/>
-  </p:clrMapOvr>
-</p:notes>
-</file>
-
-<file path=ppt/notesSlides/notesSlide12.xml><?xml version="1.0" encoding="utf-8"?>
-<p:notes xmlns:a="http://schemas.openxmlformats.org/drawingml/2006/main" xmlns:r="http://schemas.openxmlformats.org/officeDocument/2006/relationships" xmlns:p="http://schemas.openxmlformats.org/presentationml/2006/main">
-  <p:cSld>
-    <p:spTree>
-      <p:nvGrpSpPr>
-        <p:cNvPr id="1" name=""/>
-        <p:cNvGrpSpPr/>
-        <p:nvPr/>
-      </p:nvGrpSpPr>
-      <p:grpSpPr>
-        <a:xfrm>
-          <a:off x="0" y="0"/>
-          <a:ext cx="0" cy="0"/>
-          <a:chOff x="0" y="0"/>
-          <a:chExt cx="0" cy="0"/>
-        </a:xfrm>
-      </p:grpSpPr>
-      <p:sp>
-        <p:nvSpPr>
-          <p:cNvPr id="2" name="Slide Image Placeholder 1"/>
-          <p:cNvSpPr>
-            <a:spLocks noGrp="1" noRot="1" noChangeAspect="1"/>
-          </p:cNvSpPr>
-          <p:nvPr>
-            <p:ph type="sldImg"/>
-          </p:nvPr>
-        </p:nvSpPr>
-        <p:spPr/>
-      </p:sp>
-      <p:sp>
-        <p:nvSpPr>
-          <p:cNvPr id="3" name="Notes Placeholder 2"/>
-          <p:cNvSpPr>
-            <a:spLocks noGrp="1"/>
-          </p:cNvSpPr>
-          <p:nvPr>
-            <p:ph type="body" idx="1"/>
-          </p:nvPr>
-        </p:nvSpPr>
-        <p:spPr/>
-        <p:txBody>
-          <a:bodyPr/>
-          <a:lstStyle/>
-          <a:p>
-            <a:pPr algn="l" rtl="0">
-              <a:lnSpc>
-                <a:spcPts val="1500"/>
-              </a:lnSpc>
-            </a:pPr>
-            <a:br>
-              <a:rPr lang="en-US" b="0" u="none" strike="noStrike" dirty="0">
-                <a:solidFill>
-                  <a:srgbClr val="000000"/>
-                </a:solidFill>
-                <a:effectLst/>
-                <a:latin typeface="Arial" panose="020B0604020202020204" pitchFamily="34" charset="0"/>
-              </a:rPr>
-            </a:br>
-            <a:r>
-              <a:rPr lang="en-US" b="0" u="none" strike="noStrike" dirty="0">
-                <a:solidFill>
-                  <a:srgbClr val="000000"/>
-                </a:solidFill>
-                <a:effectLst/>
-                <a:latin typeface="Arial" panose="020B0604020202020204" pitchFamily="34" charset="0"/>
-              </a:rPr>
               <a:t>Good afternoon, everyone. Today, we're exploring how Excel has become a powerful tool for transforming everyday professionals into citizen data analysts, scientists, and engineers, especially in the era of AI. Despite concerns about AI potentially rendering Excel skills obsolete, the reality is quite the opposite. Excel, with AI integration, serves as a gateway to advanced analytics, automated workflows, and machine learning, making it more relevant than ever.</a:t>
             </a:r>
           </a:p>
@@ -1327,7 +929,7 @@
           <a:p>
             <a:fld id="{FFB500C5-13F7-48FC-8160-C29AECF6C602}" type="slidenum">
               <a:rPr lang="en-US" smtClean="0"/>
-              <a:t>17</a:t>
+              <a:t>15</a:t>
             </a:fld>
             <a:endParaRPr lang="en-US"/>
           </a:p>
@@ -1347,6 +949,194 @@
 </file>
 
 <file path=ppt/notesSlides/notesSlide2.xml><?xml version="1.0" encoding="utf-8"?>
+<p:notes xmlns:a="http://schemas.openxmlformats.org/drawingml/2006/main" xmlns:r="http://schemas.openxmlformats.org/officeDocument/2006/relationships" xmlns:p="http://schemas.openxmlformats.org/presentationml/2006/main">
+  <p:cSld>
+    <p:spTree>
+      <p:nvGrpSpPr>
+        <p:cNvPr id="1" name="">
+          <a:extLst>
+            <a:ext uri="{FF2B5EF4-FFF2-40B4-BE49-F238E27FC236}">
+              <a16:creationId xmlns:a16="http://schemas.microsoft.com/office/drawing/2014/main" id="{CFBEE56D-9F07-2C97-FB09-1261DC4313A3}"/>
+            </a:ext>
+          </a:extLst>
+        </p:cNvPr>
+        <p:cNvGrpSpPr/>
+        <p:nvPr/>
+      </p:nvGrpSpPr>
+      <p:grpSpPr>
+        <a:xfrm>
+          <a:off x="0" y="0"/>
+          <a:ext cx="0" cy="0"/>
+          <a:chOff x="0" y="0"/>
+          <a:chExt cx="0" cy="0"/>
+        </a:xfrm>
+      </p:grpSpPr>
+      <p:sp>
+        <p:nvSpPr>
+          <p:cNvPr id="2" name="Slide Image Placeholder 1">
+            <a:extLst>
+              <a:ext uri="{FF2B5EF4-FFF2-40B4-BE49-F238E27FC236}">
+                <a16:creationId xmlns:a16="http://schemas.microsoft.com/office/drawing/2014/main" id="{8B5EF0E8-0A46-5B4D-D99F-2A8DBEFC2117}"/>
+              </a:ext>
+            </a:extLst>
+          </p:cNvPr>
+          <p:cNvSpPr>
+            <a:spLocks noGrp="1" noRot="1" noChangeAspect="1"/>
+          </p:cNvSpPr>
+          <p:nvPr>
+            <p:ph type="sldImg"/>
+          </p:nvPr>
+        </p:nvSpPr>
+        <p:spPr/>
+      </p:sp>
+      <p:sp>
+        <p:nvSpPr>
+          <p:cNvPr id="3" name="Notes Placeholder 2">
+            <a:extLst>
+              <a:ext uri="{FF2B5EF4-FFF2-40B4-BE49-F238E27FC236}">
+                <a16:creationId xmlns:a16="http://schemas.microsoft.com/office/drawing/2014/main" id="{E81327C7-1735-B7C1-D8F5-F2D50E586073}"/>
+              </a:ext>
+            </a:extLst>
+          </p:cNvPr>
+          <p:cNvSpPr>
+            <a:spLocks noGrp="1"/>
+          </p:cNvSpPr>
+          <p:nvPr>
+            <p:ph type="body" idx="1"/>
+          </p:nvPr>
+        </p:nvSpPr>
+        <p:spPr/>
+        <p:txBody>
+          <a:bodyPr/>
+          <a:lstStyle/>
+          <a:p>
+            <a:r>
+              <a:rPr lang="en-US" b="0" i="0" dirty="0">
+                <a:solidFill>
+                  <a:srgbClr val="1D9BF0"/>
+                </a:solidFill>
+                <a:effectLst/>
+                <a:latin typeface="TwitterChirp"/>
+              </a:rPr>
+              <a:t>Google Trends since beginning of 2022 through end of 2024</a:t>
+            </a:r>
+          </a:p>
+          <a:p>
+            <a:r>
+              <a:rPr lang="en-US" b="0" i="0" dirty="0">
+                <a:solidFill>
+                  <a:srgbClr val="1D9BF0"/>
+                </a:solidFill>
+                <a:effectLst/>
+                <a:latin typeface="TwitterChirp"/>
+              </a:rPr>
+              <a:t>https://trends.google.com/trends/explore/TIMESERIES/1738242600?hl=en-US&amp;tz=300&amp;date=2022-01-01+2024-12-31&amp;hl=en&amp;q=python+excel,copilot+excel&amp;sni=3</a:t>
+            </a:r>
+            <a:r>
+              <a:rPr lang="en-US" b="0" i="0" dirty="0">
+                <a:solidFill>
+                  <a:srgbClr val="0F1419"/>
+                </a:solidFill>
+                <a:effectLst/>
+                <a:latin typeface="TwitterChirp"/>
+              </a:rPr>
+              <a:t> </a:t>
+            </a:r>
+          </a:p>
+          <a:p>
+            <a:endParaRPr lang="en-US" sz="1200" b="0" i="0" dirty="0">
+              <a:solidFill>
+                <a:srgbClr val="0F1419"/>
+              </a:solidFill>
+              <a:effectLst/>
+              <a:latin typeface="TwitterChirp"/>
+            </a:endParaRPr>
+          </a:p>
+          <a:p>
+            <a:r>
+              <a:rPr lang="en-US" sz="1200" b="0" i="0" dirty="0">
+                <a:solidFill>
+                  <a:srgbClr val="0F1419"/>
+                </a:solidFill>
+                <a:effectLst/>
+                <a:latin typeface="TwitterChirp"/>
+              </a:rPr>
+              <a:t>Date sources</a:t>
+            </a:r>
+          </a:p>
+          <a:p>
+            <a:r>
+              <a:rPr lang="en-US" sz="1200" b="0" i="0" dirty="0">
+                <a:solidFill>
+                  <a:srgbClr val="0F1419"/>
+                </a:solidFill>
+                <a:effectLst/>
+                <a:latin typeface="TwitterChirp"/>
+              </a:rPr>
+              <a:t>Python in Excel: https://techcommunity.microsoft.com/blog/excelblog/announcing-python-in-excel-combining-the-power-of-python-and-the-flexibility-of-/3893439/replies/3906074</a:t>
+            </a:r>
+          </a:p>
+          <a:p>
+            <a:r>
+              <a:rPr lang="en-US" sz="1200" dirty="0"/>
+              <a:t>Copilot: https://www.microsoft.com/en-us/microsoft-365/blog/2024/09/16/microsoft-365-copilot-wave-2-pages-python-in-excel-and-agents/</a:t>
+            </a:r>
+            <a:endParaRPr lang="en-US" sz="1200" b="0" i="0" dirty="0">
+              <a:solidFill>
+                <a:srgbClr val="0F1419"/>
+              </a:solidFill>
+              <a:effectLst/>
+              <a:latin typeface="TwitterChirp"/>
+            </a:endParaRPr>
+          </a:p>
+          <a:p>
+            <a:endParaRPr lang="en-US" sz="1200" dirty="0"/>
+          </a:p>
+        </p:txBody>
+      </p:sp>
+      <p:sp>
+        <p:nvSpPr>
+          <p:cNvPr id="4" name="Slide Number Placeholder 3">
+            <a:extLst>
+              <a:ext uri="{FF2B5EF4-FFF2-40B4-BE49-F238E27FC236}">
+                <a16:creationId xmlns:a16="http://schemas.microsoft.com/office/drawing/2014/main" id="{2BB854A2-D544-8B70-F126-16379C5C205F}"/>
+              </a:ext>
+            </a:extLst>
+          </p:cNvPr>
+          <p:cNvSpPr>
+            <a:spLocks noGrp="1"/>
+          </p:cNvSpPr>
+          <p:nvPr>
+            <p:ph type="sldNum" sz="quarter" idx="5"/>
+          </p:nvPr>
+        </p:nvSpPr>
+        <p:spPr/>
+        <p:txBody>
+          <a:bodyPr/>
+          <a:lstStyle/>
+          <a:p>
+            <a:fld id="{FFB500C5-13F7-48FC-8160-C29AECF6C602}" type="slidenum">
+              <a:rPr lang="en-US" smtClean="0"/>
+              <a:t>4</a:t>
+            </a:fld>
+            <a:endParaRPr lang="en-US"/>
+          </a:p>
+        </p:txBody>
+      </p:sp>
+    </p:spTree>
+    <p:extLst>
+      <p:ext uri="{BB962C8B-B14F-4D97-AF65-F5344CB8AC3E}">
+        <p14:creationId xmlns:p14="http://schemas.microsoft.com/office/powerpoint/2010/main" val="2749568745"/>
+      </p:ext>
+    </p:extLst>
+  </p:cSld>
+  <p:clrMapOvr>
+    <a:masterClrMapping/>
+  </p:clrMapOvr>
+</p:notes>
+</file>
+
+<file path=ppt/notesSlides/notesSlide3.xml><?xml version="1.0" encoding="utf-8"?>
 <p:notes xmlns:a="http://schemas.openxmlformats.org/drawingml/2006/main" xmlns:r="http://schemas.openxmlformats.org/officeDocument/2006/relationships" xmlns:p="http://schemas.openxmlformats.org/presentationml/2006/main">
   <p:cSld>
     <p:spTree>
@@ -1438,7 +1228,7 @@
           <a:p>
             <a:fld id="{FFB500C5-13F7-48FC-8160-C29AECF6C602}" type="slidenum">
               <a:rPr lang="en-US" smtClean="0"/>
-              <a:t>4</a:t>
+              <a:t>5</a:t>
             </a:fld>
             <a:endParaRPr lang="en-US"/>
           </a:p>
@@ -1448,125 +1238,6 @@
     <p:extLst>
       <p:ext uri="{BB962C8B-B14F-4D97-AF65-F5344CB8AC3E}">
         <p14:creationId xmlns:p14="http://schemas.microsoft.com/office/powerpoint/2010/main" val="3908729631"/>
-      </p:ext>
-    </p:extLst>
-  </p:cSld>
-  <p:clrMapOvr>
-    <a:masterClrMapping/>
-  </p:clrMapOvr>
-</p:notes>
-</file>
-
-<file path=ppt/notesSlides/notesSlide3.xml><?xml version="1.0" encoding="utf-8"?>
-<p:notes xmlns:a="http://schemas.openxmlformats.org/drawingml/2006/main" xmlns:r="http://schemas.openxmlformats.org/officeDocument/2006/relationships" xmlns:p="http://schemas.openxmlformats.org/presentationml/2006/main">
-  <p:cSld>
-    <p:spTree>
-      <p:nvGrpSpPr>
-        <p:cNvPr id="1" name="">
-          <a:extLst>
-            <a:ext uri="{FF2B5EF4-FFF2-40B4-BE49-F238E27FC236}">
-              <a16:creationId xmlns:a16="http://schemas.microsoft.com/office/drawing/2014/main" id="{CFBEE56D-9F07-2C97-FB09-1261DC4313A3}"/>
-            </a:ext>
-          </a:extLst>
-        </p:cNvPr>
-        <p:cNvGrpSpPr/>
-        <p:nvPr/>
-      </p:nvGrpSpPr>
-      <p:grpSpPr>
-        <a:xfrm>
-          <a:off x="0" y="0"/>
-          <a:ext cx="0" cy="0"/>
-          <a:chOff x="0" y="0"/>
-          <a:chExt cx="0" cy="0"/>
-        </a:xfrm>
-      </p:grpSpPr>
-      <p:sp>
-        <p:nvSpPr>
-          <p:cNvPr id="2" name="Slide Image Placeholder 1">
-            <a:extLst>
-              <a:ext uri="{FF2B5EF4-FFF2-40B4-BE49-F238E27FC236}">
-                <a16:creationId xmlns:a16="http://schemas.microsoft.com/office/drawing/2014/main" id="{8B5EF0E8-0A46-5B4D-D99F-2A8DBEFC2117}"/>
-              </a:ext>
-            </a:extLst>
-          </p:cNvPr>
-          <p:cNvSpPr>
-            <a:spLocks noGrp="1" noRot="1" noChangeAspect="1"/>
-          </p:cNvSpPr>
-          <p:nvPr>
-            <p:ph type="sldImg"/>
-          </p:nvPr>
-        </p:nvSpPr>
-        <p:spPr/>
-      </p:sp>
-      <p:sp>
-        <p:nvSpPr>
-          <p:cNvPr id="3" name="Notes Placeholder 2">
-            <a:extLst>
-              <a:ext uri="{FF2B5EF4-FFF2-40B4-BE49-F238E27FC236}">
-                <a16:creationId xmlns:a16="http://schemas.microsoft.com/office/drawing/2014/main" id="{E81327C7-1735-B7C1-D8F5-F2D50E586073}"/>
-              </a:ext>
-            </a:extLst>
-          </p:cNvPr>
-          <p:cNvSpPr>
-            <a:spLocks noGrp="1"/>
-          </p:cNvSpPr>
-          <p:nvPr>
-            <p:ph type="body" idx="1"/>
-          </p:nvPr>
-        </p:nvSpPr>
-        <p:spPr/>
-        <p:txBody>
-          <a:bodyPr/>
-          <a:lstStyle/>
-          <a:p>
-            <a:r>
-              <a:rPr lang="en-US" sz="1200" dirty="0"/>
-              <a:t>A quick honeymoon period for </a:t>
-            </a:r>
-            <a:r>
-              <a:rPr lang="en-US" sz="1200" dirty="0" err="1"/>
-              <a:t>Pytohn</a:t>
-            </a:r>
-            <a:r>
-              <a:rPr lang="en-US" sz="1200" dirty="0"/>
-              <a:t> in Excel, what happened? </a:t>
-            </a:r>
-          </a:p>
-        </p:txBody>
-      </p:sp>
-      <p:sp>
-        <p:nvSpPr>
-          <p:cNvPr id="4" name="Slide Number Placeholder 3">
-            <a:extLst>
-              <a:ext uri="{FF2B5EF4-FFF2-40B4-BE49-F238E27FC236}">
-                <a16:creationId xmlns:a16="http://schemas.microsoft.com/office/drawing/2014/main" id="{2BB854A2-D544-8B70-F126-16379C5C205F}"/>
-              </a:ext>
-            </a:extLst>
-          </p:cNvPr>
-          <p:cNvSpPr>
-            <a:spLocks noGrp="1"/>
-          </p:cNvSpPr>
-          <p:nvPr>
-            <p:ph type="sldNum" sz="quarter" idx="5"/>
-          </p:nvPr>
-        </p:nvSpPr>
-        <p:spPr/>
-        <p:txBody>
-          <a:bodyPr/>
-          <a:lstStyle/>
-          <a:p>
-            <a:fld id="{FFB500C5-13F7-48FC-8160-C29AECF6C602}" type="slidenum">
-              <a:rPr lang="en-US" smtClean="0"/>
-              <a:t>5</a:t>
-            </a:fld>
-            <a:endParaRPr lang="en-US"/>
-          </a:p>
-        </p:txBody>
-      </p:sp>
-    </p:spTree>
-    <p:extLst>
-      <p:ext uri="{BB962C8B-B14F-4D97-AF65-F5344CB8AC3E}">
-        <p14:creationId xmlns:p14="http://schemas.microsoft.com/office/powerpoint/2010/main" val="2749568745"/>
       </p:ext>
     </p:extLst>
   </p:cSld>
@@ -1640,7 +1311,7 @@
           <a:p>
             <a:r>
               <a:rPr lang="en-US" sz="1200" dirty="0"/>
-              <a:t>Was it AI? I don’t know. Most people hated Copilot in Excel </a:t>
+              <a:t>Was it AI that made people lose even more interest? I don’t know. Most people hated Copilot in Excel BUT there was a prevailing narrative that AI meant you didn’t need to learn how to code anymore. But again , did I mention that people REALLY hated Copilot?!</a:t>
             </a:r>
           </a:p>
         </p:txBody>
@@ -1806,228 +1477,6 @@
         <p:cNvPr id="1" name="">
           <a:extLst>
             <a:ext uri="{FF2B5EF4-FFF2-40B4-BE49-F238E27FC236}">
-              <a16:creationId xmlns:a16="http://schemas.microsoft.com/office/drawing/2014/main" id="{31B50553-01DF-6603-C71C-6763C69F12CF}"/>
-            </a:ext>
-          </a:extLst>
-        </p:cNvPr>
-        <p:cNvGrpSpPr/>
-        <p:nvPr/>
-      </p:nvGrpSpPr>
-      <p:grpSpPr>
-        <a:xfrm>
-          <a:off x="0" y="0"/>
-          <a:ext cx="0" cy="0"/>
-          <a:chOff x="0" y="0"/>
-          <a:chExt cx="0" cy="0"/>
-        </a:xfrm>
-      </p:grpSpPr>
-      <p:sp>
-        <p:nvSpPr>
-          <p:cNvPr id="2" name="Slide Image Placeholder 1">
-            <a:extLst>
-              <a:ext uri="{FF2B5EF4-FFF2-40B4-BE49-F238E27FC236}">
-                <a16:creationId xmlns:a16="http://schemas.microsoft.com/office/drawing/2014/main" id="{30CDEF0F-C78E-B7DE-A27A-E63201464A34}"/>
-              </a:ext>
-            </a:extLst>
-          </p:cNvPr>
-          <p:cNvSpPr>
-            <a:spLocks noGrp="1" noRot="1" noChangeAspect="1"/>
-          </p:cNvSpPr>
-          <p:nvPr>
-            <p:ph type="sldImg"/>
-          </p:nvPr>
-        </p:nvSpPr>
-        <p:spPr/>
-      </p:sp>
-      <p:sp>
-        <p:nvSpPr>
-          <p:cNvPr id="3" name="Notes Placeholder 2">
-            <a:extLst>
-              <a:ext uri="{FF2B5EF4-FFF2-40B4-BE49-F238E27FC236}">
-                <a16:creationId xmlns:a16="http://schemas.microsoft.com/office/drawing/2014/main" id="{FC3EF3B0-ABEE-7591-CF4F-69DE9BDA5779}"/>
-              </a:ext>
-            </a:extLst>
-          </p:cNvPr>
-          <p:cNvSpPr>
-            <a:spLocks noGrp="1"/>
-          </p:cNvSpPr>
-          <p:nvPr>
-            <p:ph type="body" idx="1"/>
-          </p:nvPr>
-        </p:nvSpPr>
-        <p:spPr/>
-        <p:txBody>
-          <a:bodyPr/>
-          <a:lstStyle/>
-          <a:p>
-            <a:r>
-              <a:rPr lang="en-US" sz="1200" dirty="0"/>
-              <a:t>So Copilot is slowly growing in interest</a:t>
-            </a:r>
-          </a:p>
-        </p:txBody>
-      </p:sp>
-      <p:sp>
-        <p:nvSpPr>
-          <p:cNvPr id="4" name="Slide Number Placeholder 3">
-            <a:extLst>
-              <a:ext uri="{FF2B5EF4-FFF2-40B4-BE49-F238E27FC236}">
-                <a16:creationId xmlns:a16="http://schemas.microsoft.com/office/drawing/2014/main" id="{7F12B534-4385-DC2A-43F8-AE7ADBDAF196}"/>
-              </a:ext>
-            </a:extLst>
-          </p:cNvPr>
-          <p:cNvSpPr>
-            <a:spLocks noGrp="1"/>
-          </p:cNvSpPr>
-          <p:nvPr>
-            <p:ph type="sldNum" sz="quarter" idx="5"/>
-          </p:nvPr>
-        </p:nvSpPr>
-        <p:spPr/>
-        <p:txBody>
-          <a:bodyPr/>
-          <a:lstStyle/>
-          <a:p>
-            <a:fld id="{FFB500C5-13F7-48FC-8160-C29AECF6C602}" type="slidenum">
-              <a:rPr lang="en-US" smtClean="0"/>
-              <a:t>8</a:t>
-            </a:fld>
-            <a:endParaRPr lang="en-US"/>
-          </a:p>
-        </p:txBody>
-      </p:sp>
-    </p:spTree>
-    <p:extLst>
-      <p:ext uri="{BB962C8B-B14F-4D97-AF65-F5344CB8AC3E}">
-        <p14:creationId xmlns:p14="http://schemas.microsoft.com/office/powerpoint/2010/main" val="4200641320"/>
-      </p:ext>
-    </p:extLst>
-  </p:cSld>
-  <p:clrMapOvr>
-    <a:masterClrMapping/>
-  </p:clrMapOvr>
-</p:notes>
-</file>
-
-<file path=ppt/notesSlides/notesSlide7.xml><?xml version="1.0" encoding="utf-8"?>
-<p:notes xmlns:a="http://schemas.openxmlformats.org/drawingml/2006/main" xmlns:r="http://schemas.openxmlformats.org/officeDocument/2006/relationships" xmlns:p="http://schemas.openxmlformats.org/presentationml/2006/main">
-  <p:cSld>
-    <p:spTree>
-      <p:nvGrpSpPr>
-        <p:cNvPr id="1" name="">
-          <a:extLst>
-            <a:ext uri="{FF2B5EF4-FFF2-40B4-BE49-F238E27FC236}">
-              <a16:creationId xmlns:a16="http://schemas.microsoft.com/office/drawing/2014/main" id="{26FD1329-B53D-B527-77B1-E7FE0A8EF827}"/>
-            </a:ext>
-          </a:extLst>
-        </p:cNvPr>
-        <p:cNvGrpSpPr/>
-        <p:nvPr/>
-      </p:nvGrpSpPr>
-      <p:grpSpPr>
-        <a:xfrm>
-          <a:off x="0" y="0"/>
-          <a:ext cx="0" cy="0"/>
-          <a:chOff x="0" y="0"/>
-          <a:chExt cx="0" cy="0"/>
-        </a:xfrm>
-      </p:grpSpPr>
-      <p:sp>
-        <p:nvSpPr>
-          <p:cNvPr id="2" name="Slide Image Placeholder 1">
-            <a:extLst>
-              <a:ext uri="{FF2B5EF4-FFF2-40B4-BE49-F238E27FC236}">
-                <a16:creationId xmlns:a16="http://schemas.microsoft.com/office/drawing/2014/main" id="{CDE82CC2-E04D-E180-C96B-636027D28D74}"/>
-              </a:ext>
-            </a:extLst>
-          </p:cNvPr>
-          <p:cNvSpPr>
-            <a:spLocks noGrp="1" noRot="1" noChangeAspect="1"/>
-          </p:cNvSpPr>
-          <p:nvPr>
-            <p:ph type="sldImg"/>
-          </p:nvPr>
-        </p:nvSpPr>
-        <p:spPr/>
-      </p:sp>
-      <p:sp>
-        <p:nvSpPr>
-          <p:cNvPr id="3" name="Notes Placeholder 2">
-            <a:extLst>
-              <a:ext uri="{FF2B5EF4-FFF2-40B4-BE49-F238E27FC236}">
-                <a16:creationId xmlns:a16="http://schemas.microsoft.com/office/drawing/2014/main" id="{8124481D-2901-7ABF-4A56-E1D6FBDEC716}"/>
-              </a:ext>
-            </a:extLst>
-          </p:cNvPr>
-          <p:cNvSpPr>
-            <a:spLocks noGrp="1"/>
-          </p:cNvSpPr>
-          <p:nvPr>
-            <p:ph type="body" idx="1"/>
-          </p:nvPr>
-        </p:nvSpPr>
-        <p:spPr/>
-        <p:txBody>
-          <a:bodyPr/>
-          <a:lstStyle/>
-          <a:p>
-            <a:r>
-              <a:rPr lang="en-US" sz="1200" dirty="0"/>
-              <a:t>So Copilot is slowly growing in interest</a:t>
-            </a:r>
-          </a:p>
-        </p:txBody>
-      </p:sp>
-      <p:sp>
-        <p:nvSpPr>
-          <p:cNvPr id="4" name="Slide Number Placeholder 3">
-            <a:extLst>
-              <a:ext uri="{FF2B5EF4-FFF2-40B4-BE49-F238E27FC236}">
-                <a16:creationId xmlns:a16="http://schemas.microsoft.com/office/drawing/2014/main" id="{405C8E6C-9A8D-AFE6-CDC9-C6CA84CA59F7}"/>
-              </a:ext>
-            </a:extLst>
-          </p:cNvPr>
-          <p:cNvSpPr>
-            <a:spLocks noGrp="1"/>
-          </p:cNvSpPr>
-          <p:nvPr>
-            <p:ph type="sldNum" sz="quarter" idx="5"/>
-          </p:nvPr>
-        </p:nvSpPr>
-        <p:spPr/>
-        <p:txBody>
-          <a:bodyPr/>
-          <a:lstStyle/>
-          <a:p>
-            <a:fld id="{FFB500C5-13F7-48FC-8160-C29AECF6C602}" type="slidenum">
-              <a:rPr lang="en-US" smtClean="0"/>
-              <a:t>9</a:t>
-            </a:fld>
-            <a:endParaRPr lang="en-US"/>
-          </a:p>
-        </p:txBody>
-      </p:sp>
-    </p:spTree>
-    <p:extLst>
-      <p:ext uri="{BB962C8B-B14F-4D97-AF65-F5344CB8AC3E}">
-        <p14:creationId xmlns:p14="http://schemas.microsoft.com/office/powerpoint/2010/main" val="314935284"/>
-      </p:ext>
-    </p:extLst>
-  </p:cSld>
-  <p:clrMapOvr>
-    <a:masterClrMapping/>
-  </p:clrMapOvr>
-</p:notes>
-</file>
-
-<file path=ppt/notesSlides/notesSlide8.xml><?xml version="1.0" encoding="utf-8"?>
-<p:notes xmlns:a="http://schemas.openxmlformats.org/drawingml/2006/main" xmlns:r="http://schemas.openxmlformats.org/officeDocument/2006/relationships" xmlns:p="http://schemas.openxmlformats.org/presentationml/2006/main">
-  <p:cSld>
-    <p:spTree>
-      <p:nvGrpSpPr>
-        <p:cNvPr id="1" name="">
-          <a:extLst>
-            <a:ext uri="{FF2B5EF4-FFF2-40B4-BE49-F238E27FC236}">
               <a16:creationId xmlns:a16="http://schemas.microsoft.com/office/drawing/2014/main" id="{96809ADF-BA39-B6EE-ACDA-68EA88A7A5F6}"/>
             </a:ext>
           </a:extLst>
@@ -2084,7 +1533,7 @@
           <a:p>
             <a:r>
               <a:rPr lang="en-US" sz="1200" dirty="0"/>
-              <a:t>So Copilot is slowly growing in interest</a:t>
+              <a:t>So Copilot is slowly growing in interest, are they competing for the same user base and cannibalizing each other now?! </a:t>
             </a:r>
           </a:p>
         </p:txBody>
@@ -2098,6 +1547,329 @@
               </a:ext>
             </a:extLst>
           </p:cNvPr>
+          <p:cNvSpPr>
+            <a:spLocks noGrp="1"/>
+          </p:cNvSpPr>
+          <p:nvPr>
+            <p:ph type="sldNum" sz="quarter" idx="5"/>
+          </p:nvPr>
+        </p:nvSpPr>
+        <p:spPr/>
+        <p:txBody>
+          <a:bodyPr/>
+          <a:lstStyle/>
+          <a:p>
+            <a:fld id="{FFB500C5-13F7-48FC-8160-C29AECF6C602}" type="slidenum">
+              <a:rPr lang="en-US" smtClean="0"/>
+              <a:t>8</a:t>
+            </a:fld>
+            <a:endParaRPr lang="en-US"/>
+          </a:p>
+        </p:txBody>
+      </p:sp>
+    </p:spTree>
+    <p:extLst>
+      <p:ext uri="{BB962C8B-B14F-4D97-AF65-F5344CB8AC3E}">
+        <p14:creationId xmlns:p14="http://schemas.microsoft.com/office/powerpoint/2010/main" val="4039744354"/>
+      </p:ext>
+    </p:extLst>
+  </p:cSld>
+  <p:clrMapOvr>
+    <a:masterClrMapping/>
+  </p:clrMapOvr>
+</p:notes>
+</file>
+
+<file path=ppt/notesSlides/notesSlide7.xml><?xml version="1.0" encoding="utf-8"?>
+<p:notes xmlns:a="http://schemas.openxmlformats.org/drawingml/2006/main" xmlns:r="http://schemas.openxmlformats.org/officeDocument/2006/relationships" xmlns:p="http://schemas.openxmlformats.org/presentationml/2006/main">
+  <p:cSld>
+    <p:spTree>
+      <p:nvGrpSpPr>
+        <p:cNvPr id="1" name=""/>
+        <p:cNvGrpSpPr/>
+        <p:nvPr/>
+      </p:nvGrpSpPr>
+      <p:grpSpPr>
+        <a:xfrm>
+          <a:off x="0" y="0"/>
+          <a:ext cx="0" cy="0"/>
+          <a:chOff x="0" y="0"/>
+          <a:chExt cx="0" cy="0"/>
+        </a:xfrm>
+      </p:grpSpPr>
+      <p:sp>
+        <p:nvSpPr>
+          <p:cNvPr id="2" name="Slide Image Placeholder 1"/>
+          <p:cNvSpPr>
+            <a:spLocks noGrp="1" noRot="1" noChangeAspect="1"/>
+          </p:cNvSpPr>
+          <p:nvPr>
+            <p:ph type="sldImg"/>
+          </p:nvPr>
+        </p:nvSpPr>
+        <p:spPr/>
+      </p:sp>
+      <p:sp>
+        <p:nvSpPr>
+          <p:cNvPr id="3" name="Notes Placeholder 2"/>
+          <p:cNvSpPr>
+            <a:spLocks noGrp="1"/>
+          </p:cNvSpPr>
+          <p:nvPr>
+            <p:ph type="body" idx="1"/>
+          </p:nvPr>
+        </p:nvSpPr>
+        <p:spPr/>
+        <p:txBody>
+          <a:bodyPr/>
+          <a:lstStyle/>
+          <a:p>
+            <a:endParaRPr lang="en-US" dirty="0"/>
+          </a:p>
+        </p:txBody>
+      </p:sp>
+      <p:sp>
+        <p:nvSpPr>
+          <p:cNvPr id="4" name="Slide Number Placeholder 3"/>
+          <p:cNvSpPr>
+            <a:spLocks noGrp="1"/>
+          </p:cNvSpPr>
+          <p:nvPr>
+            <p:ph type="sldNum" sz="quarter" idx="5"/>
+          </p:nvPr>
+        </p:nvSpPr>
+        <p:spPr/>
+        <p:txBody>
+          <a:bodyPr/>
+          <a:lstStyle/>
+          <a:p>
+            <a:fld id="{FFB500C5-13F7-48FC-8160-C29AECF6C602}" type="slidenum">
+              <a:rPr lang="en-US" smtClean="0"/>
+              <a:t>9</a:t>
+            </a:fld>
+            <a:endParaRPr lang="en-US"/>
+          </a:p>
+        </p:txBody>
+      </p:sp>
+    </p:spTree>
+    <p:extLst>
+      <p:ext uri="{BB962C8B-B14F-4D97-AF65-F5344CB8AC3E}">
+        <p14:creationId xmlns:p14="http://schemas.microsoft.com/office/powerpoint/2010/main" val="981337392"/>
+      </p:ext>
+    </p:extLst>
+  </p:cSld>
+  <p:clrMapOvr>
+    <a:masterClrMapping/>
+  </p:clrMapOvr>
+</p:notes>
+</file>
+
+<file path=ppt/notesSlides/notesSlide8.xml><?xml version="1.0" encoding="utf-8"?>
+<p:notes xmlns:a="http://schemas.openxmlformats.org/drawingml/2006/main" xmlns:r="http://schemas.openxmlformats.org/officeDocument/2006/relationships" xmlns:p="http://schemas.openxmlformats.org/presentationml/2006/main">
+  <p:cSld>
+    <p:spTree>
+      <p:nvGrpSpPr>
+        <p:cNvPr id="1" name=""/>
+        <p:cNvGrpSpPr/>
+        <p:nvPr/>
+      </p:nvGrpSpPr>
+      <p:grpSpPr>
+        <a:xfrm>
+          <a:off x="0" y="0"/>
+          <a:ext cx="0" cy="0"/>
+          <a:chOff x="0" y="0"/>
+          <a:chExt cx="0" cy="0"/>
+        </a:xfrm>
+      </p:grpSpPr>
+      <p:sp>
+        <p:nvSpPr>
+          <p:cNvPr id="2" name="Slide Image Placeholder 1"/>
+          <p:cNvSpPr>
+            <a:spLocks noGrp="1" noRot="1" noChangeAspect="1"/>
+          </p:cNvSpPr>
+          <p:nvPr>
+            <p:ph type="sldImg"/>
+          </p:nvPr>
+        </p:nvSpPr>
+        <p:spPr/>
+      </p:sp>
+      <p:sp>
+        <p:nvSpPr>
+          <p:cNvPr id="3" name="Notes Placeholder 2"/>
+          <p:cNvSpPr>
+            <a:spLocks noGrp="1"/>
+          </p:cNvSpPr>
+          <p:nvPr>
+            <p:ph type="body" idx="1"/>
+          </p:nvPr>
+        </p:nvSpPr>
+        <p:spPr/>
+        <p:txBody>
+          <a:bodyPr/>
+          <a:lstStyle/>
+          <a:p>
+            <a:r>
+              <a:rPr lang="en-US" dirty="0"/>
+              <a:t>https://stringfestanalytics.com/the-end-of-dax-and-m-how-ai-and-python-are-transforming-excel/</a:t>
+            </a:r>
+          </a:p>
+          <a:p>
+            <a:endParaRPr lang="en-US" dirty="0"/>
+          </a:p>
+          <a:p>
+            <a:pPr algn="l" rtl="0">
+              <a:lnSpc>
+                <a:spcPts val="1500"/>
+              </a:lnSpc>
+            </a:pPr>
+            <a:br>
+              <a:rPr lang="en-US" b="0" u="none" strike="noStrike" dirty="0">
+                <a:solidFill>
+                  <a:srgbClr val="000000"/>
+                </a:solidFill>
+                <a:effectLst/>
+                <a:latin typeface="Arial" panose="020B0604020202020204" pitchFamily="34" charset="0"/>
+              </a:rPr>
+            </a:br>
+            <a:r>
+              <a:rPr lang="en-US" b="0" u="none" strike="noStrike" dirty="0">
+                <a:solidFill>
+                  <a:srgbClr val="000000"/>
+                </a:solidFill>
+                <a:effectLst/>
+                <a:latin typeface="Arial" panose="020B0604020202020204" pitchFamily="34" charset="0"/>
+              </a:rPr>
+              <a:t>To get started, I want to discuss why the combination of Python, Copilot, and Excel creates such a powerful synergy in data analysis and automation. Python is renowned for its simplicity and readability, making it an excellent 'glue' language. Unlike Excel's complex architecture, Python offers a smooth, snag-free experience for developers. Its syntax is clean and intuitive, which reduces errors and makes code maintenance easier. This simplicity is crucial when integrating different tools and workflows.</a:t>
+            </a:r>
+          </a:p>
+          <a:p>
+            <a:pPr algn="l" rtl="0">
+              <a:lnSpc>
+                <a:spcPts val="1500"/>
+              </a:lnSpc>
+            </a:pPr>
+            <a:br>
+              <a:rPr lang="en-US" dirty="0"/>
+            </a:br>
+            <a:r>
+              <a:rPr lang="en-US" b="0" u="none" strike="noStrike" dirty="0">
+                <a:solidFill>
+                  <a:srgbClr val="000000"/>
+                </a:solidFill>
+                <a:effectLst/>
+                <a:latin typeface="Arial" panose="020B0604020202020204" pitchFamily="34" charset="0"/>
+              </a:rPr>
+              <a:t>Copilot excels at working with Python code because of Python's extensive and well-documented codebase. This vast repository provides a rich learning ground for Copilot's machine learning model. As an AI pair programmer, Copilot leverages this knowledge to suggest code completions, write entire functions, and even help debug Python scripts in real-time, enhancing productivity significantly.</a:t>
+            </a:r>
+          </a:p>
+          <a:p>
+            <a:pPr algn="l" rtl="0">
+              <a:lnSpc>
+                <a:spcPts val="1500"/>
+              </a:lnSpc>
+            </a:pPr>
+            <a:br>
+              <a:rPr lang="en-US" dirty="0"/>
+            </a:br>
+            <a:r>
+              <a:rPr lang="en-US" b="0" u="none" strike="noStrike" dirty="0">
+                <a:solidFill>
+                  <a:srgbClr val="000000"/>
+                </a:solidFill>
+                <a:effectLst/>
+                <a:latin typeface="Arial" panose="020B0604020202020204" pitchFamily="34" charset="0"/>
+              </a:rPr>
+              <a:t>Excel, while powerful, has been the subject of many jokes regarding its data integrity issues. The humor in the slide points out Excel's tendency to misinterpret data, like turning dates into numbers or mixing up different data types. Additionally, Excel's architecture with separate components like Power Query for data transformation, Power Pivot for data modeling, and VBA for automation, creates silos which can be challenging to integrate seamlessly.</a:t>
+            </a:r>
+          </a:p>
+          <a:p>
+            <a:pPr algn="l" rtl="0">
+              <a:lnSpc>
+                <a:spcPts val="1500"/>
+              </a:lnSpc>
+            </a:pPr>
+            <a:br>
+              <a:rPr lang="en-US" dirty="0"/>
+            </a:br>
+            <a:r>
+              <a:rPr lang="en-US" b="0" u="none" strike="noStrike" dirty="0">
+                <a:solidFill>
+                  <a:srgbClr val="000000"/>
+                </a:solidFill>
+                <a:effectLst/>
+                <a:latin typeface="Arial" panose="020B0604020202020204" pitchFamily="34" charset="0"/>
+              </a:rPr>
+              <a:t>Integrating Python with Excel through tools like Python's </a:t>
+            </a:r>
+            <a:r>
+              <a:rPr lang="en-US" sz="1800" b="0" u="none" strike="noStrike" dirty="0">
+                <a:solidFill>
+                  <a:srgbClr val="000000"/>
+                </a:solidFill>
+                <a:effectLst/>
+                <a:latin typeface="Courier New" panose="02070309020205020404" pitchFamily="49" charset="0"/>
+              </a:rPr>
+              <a:t>pandas</a:t>
+            </a:r>
+            <a:r>
+              <a:rPr lang="en-US" b="0" u="none" strike="noStrike" dirty="0">
+                <a:solidFill>
+                  <a:srgbClr val="000000"/>
+                </a:solidFill>
+                <a:effectLst/>
+                <a:latin typeface="Arial" panose="020B0604020202020204" pitchFamily="34" charset="0"/>
+              </a:rPr>
+              <a:t> library or Excel's Python add-ins allows us to leverage Excel's user-friendly interface while overcoming its limitations with Python's robust data handling capabilities. Copilot acts as the bridge, providing intelligent coding assistance in Python, which can then interact with Excel data, making data manipulation, analysis, and visualization more efficient and less error-prone.</a:t>
+            </a:r>
+          </a:p>
+          <a:p>
+            <a:pPr algn="l" rtl="0">
+              <a:lnSpc>
+                <a:spcPts val="1500"/>
+              </a:lnSpc>
+            </a:pPr>
+            <a:br>
+              <a:rPr lang="en-US" dirty="0"/>
+            </a:br>
+            <a:r>
+              <a:rPr lang="en-US" b="0" u="none" strike="noStrike" dirty="0">
+                <a:solidFill>
+                  <a:srgbClr val="000000"/>
+                </a:solidFill>
+                <a:effectLst/>
+                <a:latin typeface="Arial" panose="020B0604020202020204" pitchFamily="34" charset="0"/>
+              </a:rPr>
+              <a:t>Given the trend towards more open, flexible, and integrated tools, the future seems less promising for proprietary languages like Excel's VBA. Python's open-source nature, coupled with AI assistance from tools like Copilot, offers a scalable and future-proof solution. This crossover not only enhances current workflows but also prepares us for future advancements in AI and data science, where Python will likely continue to play a leading role.</a:t>
+            </a:r>
+          </a:p>
+          <a:p>
+            <a:pPr algn="l" rtl="0">
+              <a:lnSpc>
+                <a:spcPts val="1500"/>
+              </a:lnSpc>
+            </a:pPr>
+            <a:br>
+              <a:rPr lang="en-US" dirty="0"/>
+            </a:br>
+            <a:r>
+              <a:rPr lang="en-US" b="0" u="none" strike="noStrike" dirty="0">
+                <a:solidFill>
+                  <a:srgbClr val="000000"/>
+                </a:solidFill>
+                <a:effectLst/>
+                <a:latin typeface="Arial" panose="020B0604020202020204" pitchFamily="34" charset="0"/>
+              </a:rPr>
+              <a:t>In summary, the combination of Python's simplicity, Copilot's AI-driven assistance, and Excel's widespread use creates a dynamic ecosystem. It addresses Excel's weaknesses while capitalizing on Python's strengths, making this trio a formidable force in data-driven environments.</a:t>
+            </a:r>
+          </a:p>
+          <a:p>
+            <a:endParaRPr lang="en-US" dirty="0"/>
+          </a:p>
+        </p:txBody>
+      </p:sp>
+      <p:sp>
+        <p:nvSpPr>
+          <p:cNvPr id="4" name="Slide Number Placeholder 3"/>
           <p:cNvSpPr>
             <a:spLocks noGrp="1"/>
           </p:cNvSpPr>
@@ -2121,7 +1893,7 @@
     </p:spTree>
     <p:extLst>
       <p:ext uri="{BB962C8B-B14F-4D97-AF65-F5344CB8AC3E}">
-        <p14:creationId xmlns:p14="http://schemas.microsoft.com/office/powerpoint/2010/main" val="4039744354"/>
+        <p14:creationId xmlns:p14="http://schemas.microsoft.com/office/powerpoint/2010/main" val="2469045808"/>
       </p:ext>
     </p:extLst>
   </p:cSld>
@@ -2175,6 +1947,79 @@
           <a:bodyPr/>
           <a:lstStyle/>
           <a:p>
+            <a:r>
+              <a:rPr lang="en-US" b="0" i="0" dirty="0">
+                <a:solidFill>
+                  <a:srgbClr val="000000"/>
+                </a:solidFill>
+                <a:effectLst/>
+                <a:latin typeface="Arial" panose="020B0604020202020204" pitchFamily="34" charset="0"/>
+              </a:rPr>
+              <a:t>In our discussion today about the future of Excel, we've focused on the integration of Python for backend data analysis, advanced charting, and machine learning, which offers powerful data manipulation capabilities through libraries like pandas and extensive visualization options with libraries like matplotlib and seaborn. </a:t>
+            </a:r>
+          </a:p>
+          <a:p>
+            <a:endParaRPr lang="en-US" b="0" i="0" dirty="0">
+              <a:solidFill>
+                <a:srgbClr val="000000"/>
+              </a:solidFill>
+              <a:effectLst/>
+              <a:latin typeface="Arial" panose="020B0604020202020204" pitchFamily="34" charset="0"/>
+            </a:endParaRPr>
+          </a:p>
+          <a:p>
+            <a:r>
+              <a:rPr lang="en-US" b="0" i="0" dirty="0">
+                <a:solidFill>
+                  <a:srgbClr val="000000"/>
+                </a:solidFill>
+                <a:effectLst/>
+                <a:latin typeface="Arial" panose="020B0604020202020204" pitchFamily="34" charset="0"/>
+              </a:rPr>
+              <a:t>Excel itself continues to shine with its frontend formatting, usability, and interactive dashboards, providing a user-friendly interface that's well-suited for widespread usage, formatting, and presentation. </a:t>
+            </a:r>
+          </a:p>
+          <a:p>
+            <a:endParaRPr lang="en-US" b="0" i="0" dirty="0">
+              <a:solidFill>
+                <a:srgbClr val="000000"/>
+              </a:solidFill>
+              <a:effectLst/>
+              <a:latin typeface="Arial" panose="020B0604020202020204" pitchFamily="34" charset="0"/>
+            </a:endParaRPr>
+          </a:p>
+          <a:p>
+            <a:r>
+              <a:rPr lang="en-US" b="0" i="0" dirty="0">
+                <a:solidFill>
+                  <a:srgbClr val="000000"/>
+                </a:solidFill>
+                <a:effectLst/>
+                <a:latin typeface="Arial" panose="020B0604020202020204" pitchFamily="34" charset="0"/>
+              </a:rPr>
+              <a:t>Now, although we haven't delved into JavaScript today, it's important to note that JavaScript, along with TypeScript, shares similar advantages to Python but in the realm of building applications, add-ins, and more for Excel. JavaScript and TypeScript enable additional add-ins, enhance interactivity, and facilitate web integration, allowing for the building and integration of more complex functionalities. This expands Excel's capabilities into web and app development, making it a versatile tool not just for data analysis but also for creating sophisticated user experiences within Excel's ecosystem. </a:t>
+            </a:r>
+          </a:p>
+          <a:p>
+            <a:endParaRPr lang="en-US" b="0" i="0" dirty="0">
+              <a:solidFill>
+                <a:srgbClr val="000000"/>
+              </a:solidFill>
+              <a:effectLst/>
+              <a:latin typeface="Arial" panose="020B0604020202020204" pitchFamily="34" charset="0"/>
+            </a:endParaRPr>
+          </a:p>
+          <a:p>
+            <a:r>
+              <a:rPr lang="en-US" b="0" i="0" dirty="0">
+                <a:solidFill>
+                  <a:srgbClr val="000000"/>
+                </a:solidFill>
+                <a:effectLst/>
+                <a:latin typeface="Arial" panose="020B0604020202020204" pitchFamily="34" charset="0"/>
+              </a:rPr>
+              <a:t>This synergy between Python, Excel, and JavaScript/TypeScript paints a promising picture for Excel's future, where it can evolve into a more comprehensive platform for both data professionals and developers.</a:t>
+            </a:r>
             <a:endParaRPr lang="en-US" dirty="0"/>
           </a:p>
         </p:txBody>
@@ -2196,7 +2041,7 @@
           <a:p>
             <a:fld id="{FFB500C5-13F7-48FC-8160-C29AECF6C602}" type="slidenum">
               <a:rPr lang="en-US" smtClean="0"/>
-              <a:t>11</a:t>
+              <a:t>14</a:t>
             </a:fld>
             <a:endParaRPr lang="en-US"/>
           </a:p>
@@ -2205,7 +2050,7 @@
     </p:spTree>
     <p:extLst>
       <p:ext uri="{BB962C8B-B14F-4D97-AF65-F5344CB8AC3E}">
-        <p14:creationId xmlns:p14="http://schemas.microsoft.com/office/powerpoint/2010/main" val="981337392"/>
+        <p14:creationId xmlns:p14="http://schemas.microsoft.com/office/powerpoint/2010/main" val="857960786"/>
       </p:ext>
     </p:extLst>
   </p:cSld>
@@ -2395,7 +2240,7 @@
             <a:fld id="{1D8BD707-D9CF-40AE-B4C6-C98DA3205C09}" type="datetimeFigureOut">
               <a:rPr lang="en-US" smtClean="0"/>
               <a:pPr/>
-              <a:t>1/27/2025</a:t>
+              <a:t>1/30/2025</a:t>
             </a:fld>
             <a:endParaRPr lang="en-US"/>
           </a:p>
@@ -2560,7 +2405,7 @@
             <a:fld id="{1D8BD707-D9CF-40AE-B4C6-C98DA3205C09}" type="datetimeFigureOut">
               <a:rPr lang="en-US" smtClean="0"/>
               <a:pPr/>
-              <a:t>1/27/2025</a:t>
+              <a:t>1/30/2025</a:t>
             </a:fld>
             <a:endParaRPr lang="en-US"/>
           </a:p>
@@ -2735,7 +2580,7 @@
             <a:fld id="{1D8BD707-D9CF-40AE-B4C6-C98DA3205C09}" type="datetimeFigureOut">
               <a:rPr lang="en-US" smtClean="0"/>
               <a:pPr/>
-              <a:t>1/27/2025</a:t>
+              <a:t>1/30/2025</a:t>
             </a:fld>
             <a:endParaRPr lang="en-US"/>
           </a:p>
@@ -2900,7 +2745,7 @@
             <a:fld id="{1D8BD707-D9CF-40AE-B4C6-C98DA3205C09}" type="datetimeFigureOut">
               <a:rPr lang="en-US" smtClean="0"/>
               <a:pPr/>
-              <a:t>1/27/2025</a:t>
+              <a:t>1/30/2025</a:t>
             </a:fld>
             <a:endParaRPr lang="en-US"/>
           </a:p>
@@ -3142,7 +2987,7 @@
             <a:fld id="{1D8BD707-D9CF-40AE-B4C6-C98DA3205C09}" type="datetimeFigureOut">
               <a:rPr lang="en-US" smtClean="0"/>
               <a:pPr/>
-              <a:t>1/27/2025</a:t>
+              <a:t>1/30/2025</a:t>
             </a:fld>
             <a:endParaRPr lang="en-US"/>
           </a:p>
@@ -3424,7 +3269,7 @@
             <a:fld id="{1D8BD707-D9CF-40AE-B4C6-C98DA3205C09}" type="datetimeFigureOut">
               <a:rPr lang="en-US" smtClean="0"/>
               <a:pPr/>
-              <a:t>1/27/2025</a:t>
+              <a:t>1/30/2025</a:t>
             </a:fld>
             <a:endParaRPr lang="en-US"/>
           </a:p>
@@ -3840,7 +3685,7 @@
             <a:fld id="{1D8BD707-D9CF-40AE-B4C6-C98DA3205C09}" type="datetimeFigureOut">
               <a:rPr lang="en-US" smtClean="0"/>
               <a:pPr/>
-              <a:t>1/27/2025</a:t>
+              <a:t>1/30/2025</a:t>
             </a:fld>
             <a:endParaRPr lang="en-US"/>
           </a:p>
@@ -3954,7 +3799,7 @@
             <a:fld id="{1D8BD707-D9CF-40AE-B4C6-C98DA3205C09}" type="datetimeFigureOut">
               <a:rPr lang="en-US" smtClean="0"/>
               <a:pPr/>
-              <a:t>1/27/2025</a:t>
+              <a:t>1/30/2025</a:t>
             </a:fld>
             <a:endParaRPr lang="en-US"/>
           </a:p>
@@ -4046,7 +3891,7 @@
             <a:fld id="{1D8BD707-D9CF-40AE-B4C6-C98DA3205C09}" type="datetimeFigureOut">
               <a:rPr lang="en-US" smtClean="0"/>
               <a:pPr/>
-              <a:t>1/27/2025</a:t>
+              <a:t>1/30/2025</a:t>
             </a:fld>
             <a:endParaRPr lang="en-US"/>
           </a:p>
@@ -4318,7 +4163,7 @@
             <a:fld id="{1D8BD707-D9CF-40AE-B4C6-C98DA3205C09}" type="datetimeFigureOut">
               <a:rPr lang="en-US" smtClean="0"/>
               <a:pPr/>
-              <a:t>1/27/2025</a:t>
+              <a:t>1/30/2025</a:t>
             </a:fld>
             <a:endParaRPr lang="en-US"/>
           </a:p>
@@ -4567,7 +4412,7 @@
             <a:fld id="{1D8BD707-D9CF-40AE-B4C6-C98DA3205C09}" type="datetimeFigureOut">
               <a:rPr lang="en-US" smtClean="0"/>
               <a:pPr/>
-              <a:t>1/27/2025</a:t>
+              <a:t>1/30/2025</a:t>
             </a:fld>
             <a:endParaRPr lang="en-US"/>
           </a:p>
@@ -4780,7 +4625,7 @@
             <a:fld id="{1D8BD707-D9CF-40AE-B4C6-C98DA3205C09}" type="datetimeFigureOut">
               <a:rPr lang="en-US" smtClean="0"/>
               <a:pPr/>
-              <a:t>1/27/2025</a:t>
+              <a:t>1/30/2025</a:t>
             </a:fld>
             <a:endParaRPr lang="en-US"/>
           </a:p>
@@ -5307,576 +5152,6 @@
   <p:cSld>
     <p:spTree>
       <p:nvGrpSpPr>
-        <p:cNvPr id="1" name="">
-          <a:extLst>
-            <a:ext uri="{FF2B5EF4-FFF2-40B4-BE49-F238E27FC236}">
-              <a16:creationId xmlns:a16="http://schemas.microsoft.com/office/drawing/2014/main" id="{77B78123-507D-6B5F-0800-E1DC90528AEB}"/>
-            </a:ext>
-          </a:extLst>
-        </p:cNvPr>
-        <p:cNvGrpSpPr/>
-        <p:nvPr/>
-      </p:nvGrpSpPr>
-      <p:grpSpPr>
-        <a:xfrm>
-          <a:off x="0" y="0"/>
-          <a:ext cx="0" cy="0"/>
-          <a:chOff x="0" y="0"/>
-          <a:chExt cx="0" cy="0"/>
-        </a:xfrm>
-      </p:grpSpPr>
-      <p:sp>
-        <p:nvSpPr>
-          <p:cNvPr id="11" name="TextBox 10">
-            <a:extLst>
-              <a:ext uri="{FF2B5EF4-FFF2-40B4-BE49-F238E27FC236}">
-                <a16:creationId xmlns:a16="http://schemas.microsoft.com/office/drawing/2014/main" id="{E61B5300-DEB6-F0C9-2121-EF9147664403}"/>
-              </a:ext>
-            </a:extLst>
-          </p:cNvPr>
-          <p:cNvSpPr txBox="1"/>
-          <p:nvPr/>
-        </p:nvSpPr>
-        <p:spPr>
-          <a:xfrm>
-            <a:off x="520861" y="170082"/>
-            <a:ext cx="17309939" cy="1200329"/>
-          </a:xfrm>
-          <a:prstGeom prst="rect">
-            <a:avLst/>
-          </a:prstGeom>
-          <a:noFill/>
-        </p:spPr>
-        <p:txBody>
-          <a:bodyPr wrap="square" rtlCol="0">
-            <a:spAutoFit/>
-          </a:bodyPr>
-          <a:lstStyle/>
-          <a:p>
-            <a:r>
-              <a:rPr lang="en-US" sz="7200" dirty="0">
-                <a:latin typeface="Aliens &amp; cows" panose="00000500000000000000" pitchFamily="2" charset="0"/>
-              </a:rPr>
-              <a:t>Copilot + Python + Excel… maybe enough?</a:t>
-            </a:r>
-          </a:p>
-        </p:txBody>
-      </p:sp>
-      <p:pic>
-        <p:nvPicPr>
-          <p:cNvPr id="15" name="Picture 14" descr="A close up of a sign&#10;&#10;Description automatically generated">
-            <a:extLst>
-              <a:ext uri="{FF2B5EF4-FFF2-40B4-BE49-F238E27FC236}">
-                <a16:creationId xmlns:a16="http://schemas.microsoft.com/office/drawing/2014/main" id="{2260B8B6-C693-019A-1480-F10AF61F07DC}"/>
-              </a:ext>
-            </a:extLst>
-          </p:cNvPr>
-          <p:cNvPicPr>
-            <a:picLocks noChangeAspect="1"/>
-          </p:cNvPicPr>
-          <p:nvPr/>
-        </p:nvPicPr>
-        <p:blipFill>
-          <a:blip r:embed="rId3">
-            <a:extLst>
-              <a:ext uri="{28A0092B-C50C-407E-A947-70E740481C1C}">
-                <a14:useLocalDpi xmlns:a14="http://schemas.microsoft.com/office/drawing/2010/main" val="0"/>
-              </a:ext>
-            </a:extLst>
-          </a:blip>
-          <a:stretch>
-            <a:fillRect/>
-          </a:stretch>
-        </p:blipFill>
-        <p:spPr>
-          <a:xfrm>
-            <a:off x="16341036" y="8058429"/>
-            <a:ext cx="1942857" cy="2228571"/>
-          </a:xfrm>
-          <a:prstGeom prst="rect">
-            <a:avLst/>
-          </a:prstGeom>
-        </p:spPr>
-      </p:pic>
-      <p:pic>
-        <p:nvPicPr>
-          <p:cNvPr id="6" name="Picture 5">
-            <a:extLst>
-              <a:ext uri="{FF2B5EF4-FFF2-40B4-BE49-F238E27FC236}">
-                <a16:creationId xmlns:a16="http://schemas.microsoft.com/office/drawing/2014/main" id="{EA7714DD-E083-9DEB-B7B9-BA5DAD276560}"/>
-              </a:ext>
-            </a:extLst>
-          </p:cNvPr>
-          <p:cNvPicPr>
-            <a:picLocks noChangeAspect="1"/>
-          </p:cNvPicPr>
-          <p:nvPr/>
-        </p:nvPicPr>
-        <p:blipFill>
-          <a:blip r:embed="rId4"/>
-          <a:stretch>
-            <a:fillRect/>
-          </a:stretch>
-        </p:blipFill>
-        <p:spPr>
-          <a:xfrm>
-            <a:off x="914400" y="1624026"/>
-            <a:ext cx="14282800" cy="8483769"/>
-          </a:xfrm>
-          <a:prstGeom prst="rect">
-            <a:avLst/>
-          </a:prstGeom>
-        </p:spPr>
-      </p:pic>
-      <p:sp>
-        <p:nvSpPr>
-          <p:cNvPr id="2" name="TextBox 1">
-            <a:extLst>
-              <a:ext uri="{FF2B5EF4-FFF2-40B4-BE49-F238E27FC236}">
-                <a16:creationId xmlns:a16="http://schemas.microsoft.com/office/drawing/2014/main" id="{2BFEC1D7-5AC9-47C4-5B80-8A58473EF02B}"/>
-              </a:ext>
-            </a:extLst>
-          </p:cNvPr>
-          <p:cNvSpPr txBox="1"/>
-          <p:nvPr/>
-        </p:nvSpPr>
-        <p:spPr>
-          <a:xfrm>
-            <a:off x="10287000" y="5520898"/>
-            <a:ext cx="2400837" cy="646331"/>
-          </a:xfrm>
-          <a:prstGeom prst="rect">
-            <a:avLst/>
-          </a:prstGeom>
-          <a:noFill/>
-        </p:spPr>
-        <p:txBody>
-          <a:bodyPr wrap="square" rtlCol="0">
-            <a:spAutoFit/>
-          </a:bodyPr>
-          <a:lstStyle/>
-          <a:p>
-            <a:r>
-              <a:rPr lang="en-US" b="1" dirty="0"/>
-              <a:t>Python in Excel announcement</a:t>
-            </a:r>
-          </a:p>
-        </p:txBody>
-      </p:sp>
-      <p:cxnSp>
-        <p:nvCxnSpPr>
-          <p:cNvPr id="4" name="Straight Arrow Connector 3">
-            <a:extLst>
-              <a:ext uri="{FF2B5EF4-FFF2-40B4-BE49-F238E27FC236}">
-                <a16:creationId xmlns:a16="http://schemas.microsoft.com/office/drawing/2014/main" id="{5F3D1EAD-B0C0-5704-2220-9D0AF0AE3C08}"/>
-              </a:ext>
-            </a:extLst>
-          </p:cNvPr>
-          <p:cNvCxnSpPr/>
-          <p:nvPr/>
-        </p:nvCxnSpPr>
-        <p:spPr>
-          <a:xfrm>
-            <a:off x="10896600" y="6134100"/>
-            <a:ext cx="304800" cy="457200"/>
-          </a:xfrm>
-          <a:prstGeom prst="straightConnector1">
-            <a:avLst/>
-          </a:prstGeom>
-          <a:ln>
-            <a:tailEnd type="triangle"/>
-          </a:ln>
-        </p:spPr>
-        <p:style>
-          <a:lnRef idx="1">
-            <a:schemeClr val="accent1"/>
-          </a:lnRef>
-          <a:fillRef idx="0">
-            <a:schemeClr val="accent1"/>
-          </a:fillRef>
-          <a:effectRef idx="0">
-            <a:schemeClr val="accent1"/>
-          </a:effectRef>
-          <a:fontRef idx="minor">
-            <a:schemeClr val="tx1"/>
-          </a:fontRef>
-        </p:style>
-      </p:cxnSp>
-      <p:sp>
-        <p:nvSpPr>
-          <p:cNvPr id="3" name="TextBox 2">
-            <a:extLst>
-              <a:ext uri="{FF2B5EF4-FFF2-40B4-BE49-F238E27FC236}">
-                <a16:creationId xmlns:a16="http://schemas.microsoft.com/office/drawing/2014/main" id="{7B76556A-FF82-2D94-3CFE-AB0EB0649797}"/>
-              </a:ext>
-            </a:extLst>
-          </p:cNvPr>
-          <p:cNvSpPr txBox="1"/>
-          <p:nvPr/>
-        </p:nvSpPr>
-        <p:spPr>
-          <a:xfrm>
-            <a:off x="11823539" y="6580031"/>
-            <a:ext cx="2400837" cy="646331"/>
-          </a:xfrm>
-          <a:prstGeom prst="rect">
-            <a:avLst/>
-          </a:prstGeom>
-          <a:noFill/>
-        </p:spPr>
-        <p:txBody>
-          <a:bodyPr wrap="square" rtlCol="0">
-            <a:spAutoFit/>
-          </a:bodyPr>
-          <a:lstStyle/>
-          <a:p>
-            <a:r>
-              <a:rPr lang="en-US" b="1" dirty="0"/>
-              <a:t>Copilot in Excel announcement</a:t>
-            </a:r>
-          </a:p>
-        </p:txBody>
-      </p:sp>
-      <p:cxnSp>
-        <p:nvCxnSpPr>
-          <p:cNvPr id="7" name="Straight Arrow Connector 6">
-            <a:extLst>
-              <a:ext uri="{FF2B5EF4-FFF2-40B4-BE49-F238E27FC236}">
-                <a16:creationId xmlns:a16="http://schemas.microsoft.com/office/drawing/2014/main" id="{EFB3075B-E8F6-C4F4-481E-7E4EF41B935E}"/>
-              </a:ext>
-            </a:extLst>
-          </p:cNvPr>
-          <p:cNvCxnSpPr>
-            <a:cxnSpLocks/>
-          </p:cNvCxnSpPr>
-          <p:nvPr/>
-        </p:nvCxnSpPr>
-        <p:spPr>
-          <a:xfrm>
-            <a:off x="12535437" y="7155307"/>
-            <a:ext cx="266163" cy="376979"/>
-          </a:xfrm>
-          <a:prstGeom prst="straightConnector1">
-            <a:avLst/>
-          </a:prstGeom>
-          <a:ln>
-            <a:tailEnd type="triangle"/>
-          </a:ln>
-        </p:spPr>
-        <p:style>
-          <a:lnRef idx="1">
-            <a:schemeClr val="accent1"/>
-          </a:lnRef>
-          <a:fillRef idx="0">
-            <a:schemeClr val="accent1"/>
-          </a:fillRef>
-          <a:effectRef idx="0">
-            <a:schemeClr val="accent1"/>
-          </a:effectRef>
-          <a:fontRef idx="minor">
-            <a:schemeClr val="tx1"/>
-          </a:fontRef>
-        </p:style>
-      </p:cxnSp>
-      <p:sp>
-        <p:nvSpPr>
-          <p:cNvPr id="5" name="TextBox 4">
-            <a:extLst>
-              <a:ext uri="{FF2B5EF4-FFF2-40B4-BE49-F238E27FC236}">
-                <a16:creationId xmlns:a16="http://schemas.microsoft.com/office/drawing/2014/main" id="{BF6BA304-2BA1-CB82-5ADB-3AD0D9A80AEB}"/>
-              </a:ext>
-            </a:extLst>
-          </p:cNvPr>
-          <p:cNvSpPr txBox="1"/>
-          <p:nvPr/>
-        </p:nvSpPr>
-        <p:spPr>
-          <a:xfrm>
-            <a:off x="12439381" y="9029700"/>
-            <a:ext cx="2400837" cy="923330"/>
-          </a:xfrm>
-          <a:prstGeom prst="rect">
-            <a:avLst/>
-          </a:prstGeom>
-          <a:noFill/>
-        </p:spPr>
-        <p:txBody>
-          <a:bodyPr wrap="square" rtlCol="0">
-            <a:spAutoFit/>
-          </a:bodyPr>
-          <a:lstStyle/>
-          <a:p>
-            <a:r>
-              <a:rPr lang="en-US" b="1" dirty="0"/>
-              <a:t>Advanced Analysis with Copilot announcement</a:t>
-            </a:r>
-          </a:p>
-        </p:txBody>
-      </p:sp>
-      <p:cxnSp>
-        <p:nvCxnSpPr>
-          <p:cNvPr id="8" name="Straight Arrow Connector 7">
-            <a:extLst>
-              <a:ext uri="{FF2B5EF4-FFF2-40B4-BE49-F238E27FC236}">
-                <a16:creationId xmlns:a16="http://schemas.microsoft.com/office/drawing/2014/main" id="{DB26DA8E-0D29-D68C-CB02-24333E19BDA1}"/>
-              </a:ext>
-            </a:extLst>
-          </p:cNvPr>
-          <p:cNvCxnSpPr>
-            <a:cxnSpLocks/>
-          </p:cNvCxnSpPr>
-          <p:nvPr/>
-        </p:nvCxnSpPr>
-        <p:spPr>
-          <a:xfrm flipV="1">
-            <a:off x="13639800" y="8805565"/>
-            <a:ext cx="202502" cy="270476"/>
-          </a:xfrm>
-          <a:prstGeom prst="straightConnector1">
-            <a:avLst/>
-          </a:prstGeom>
-          <a:ln>
-            <a:tailEnd type="triangle"/>
-          </a:ln>
-        </p:spPr>
-        <p:style>
-          <a:lnRef idx="1">
-            <a:schemeClr val="accent1"/>
-          </a:lnRef>
-          <a:fillRef idx="0">
-            <a:schemeClr val="accent1"/>
-          </a:fillRef>
-          <a:effectRef idx="0">
-            <a:schemeClr val="accent1"/>
-          </a:effectRef>
-          <a:fontRef idx="minor">
-            <a:schemeClr val="tx1"/>
-          </a:fontRef>
-        </p:style>
-      </p:cxnSp>
-    </p:spTree>
-    <p:extLst>
-      <p:ext uri="{BB962C8B-B14F-4D97-AF65-F5344CB8AC3E}">
-        <p14:creationId xmlns:p14="http://schemas.microsoft.com/office/powerpoint/2010/main" val="3016591975"/>
-      </p:ext>
-    </p:extLst>
-  </p:cSld>
-  <p:clrMapOvr>
-    <a:masterClrMapping/>
-  </p:clrMapOvr>
-</p:sld>
-</file>
-
-<file path=ppt/slides/slide11.xml><?xml version="1.0" encoding="utf-8"?>
-<p:sld xmlns:a="http://schemas.openxmlformats.org/drawingml/2006/main" xmlns:r="http://schemas.openxmlformats.org/officeDocument/2006/relationships" xmlns:p="http://schemas.openxmlformats.org/presentationml/2006/main">
-  <p:cSld>
-    <p:spTree>
-      <p:nvGrpSpPr>
-        <p:cNvPr id="1" name=""/>
-        <p:cNvGrpSpPr/>
-        <p:nvPr/>
-      </p:nvGrpSpPr>
-      <p:grpSpPr>
-        <a:xfrm>
-          <a:off x="0" y="0"/>
-          <a:ext cx="0" cy="0"/>
-          <a:chOff x="0" y="0"/>
-          <a:chExt cx="0" cy="0"/>
-        </a:xfrm>
-      </p:grpSpPr>
-      <p:sp>
-        <p:nvSpPr>
-          <p:cNvPr id="11" name="TextBox 10"/>
-          <p:cNvSpPr txBox="1"/>
-          <p:nvPr/>
-        </p:nvSpPr>
-        <p:spPr>
-          <a:xfrm>
-            <a:off x="520861" y="170082"/>
-            <a:ext cx="16166939" cy="1107996"/>
-          </a:xfrm>
-          <a:prstGeom prst="rect">
-            <a:avLst/>
-          </a:prstGeom>
-          <a:noFill/>
-        </p:spPr>
-        <p:txBody>
-          <a:bodyPr wrap="square" rtlCol="0">
-            <a:spAutoFit/>
-          </a:bodyPr>
-          <a:lstStyle/>
-          <a:p>
-            <a:r>
-              <a:rPr lang="en-US" sz="6600" dirty="0">
-                <a:latin typeface="Aliens &amp; cows" panose="00000500000000000000" pitchFamily="2" charset="0"/>
-              </a:rPr>
-              <a:t>The most ambitious crossover event in history</a:t>
-            </a:r>
-          </a:p>
-        </p:txBody>
-      </p:sp>
-      <p:pic>
-        <p:nvPicPr>
-          <p:cNvPr id="15" name="Picture 14" descr="A close up of a sign&#10;&#10;Description automatically generated">
-            <a:extLst>
-              <a:ext uri="{FF2B5EF4-FFF2-40B4-BE49-F238E27FC236}">
-                <a16:creationId xmlns:a16="http://schemas.microsoft.com/office/drawing/2014/main" id="{29761B90-A7DE-4A60-A915-F085BD87CAB4}"/>
-              </a:ext>
-            </a:extLst>
-          </p:cNvPr>
-          <p:cNvPicPr>
-            <a:picLocks noChangeAspect="1"/>
-          </p:cNvPicPr>
-          <p:nvPr/>
-        </p:nvPicPr>
-        <p:blipFill>
-          <a:blip r:embed="rId3">
-            <a:extLst>
-              <a:ext uri="{28A0092B-C50C-407E-A947-70E740481C1C}">
-                <a14:useLocalDpi xmlns:a14="http://schemas.microsoft.com/office/drawing/2010/main" val="0"/>
-              </a:ext>
-            </a:extLst>
-          </a:blip>
-          <a:stretch>
-            <a:fillRect/>
-          </a:stretch>
-        </p:blipFill>
-        <p:spPr>
-          <a:xfrm>
-            <a:off x="16341036" y="8058429"/>
-            <a:ext cx="1942857" cy="2228571"/>
-          </a:xfrm>
-          <a:prstGeom prst="rect">
-            <a:avLst/>
-          </a:prstGeom>
-        </p:spPr>
-      </p:pic>
-      <p:pic>
-        <p:nvPicPr>
-          <p:cNvPr id="6" name="Picture 5" descr="A rainbow colored logo on a black background&#10;&#10;Description automatically generated">
-            <a:extLst>
-              <a:ext uri="{FF2B5EF4-FFF2-40B4-BE49-F238E27FC236}">
-                <a16:creationId xmlns:a16="http://schemas.microsoft.com/office/drawing/2014/main" id="{C2866380-30B4-458B-7A21-7BE3C090840D}"/>
-              </a:ext>
-            </a:extLst>
-          </p:cNvPr>
-          <p:cNvPicPr>
-            <a:picLocks noChangeAspect="1"/>
-          </p:cNvPicPr>
-          <p:nvPr/>
-        </p:nvPicPr>
-        <p:blipFill>
-          <a:blip r:embed="rId4" cstate="print">
-            <a:extLst>
-              <a:ext uri="{28A0092B-C50C-407E-A947-70E740481C1C}">
-                <a14:useLocalDpi xmlns:a14="http://schemas.microsoft.com/office/drawing/2010/main" val="0"/>
-              </a:ext>
-            </a:extLst>
-          </a:blip>
-          <a:stretch>
-            <a:fillRect/>
-          </a:stretch>
-        </p:blipFill>
-        <p:spPr>
-          <a:xfrm>
-            <a:off x="12053054" y="2754978"/>
-            <a:ext cx="5948960" cy="5948960"/>
-          </a:xfrm>
-          <a:prstGeom prst="rect">
-            <a:avLst/>
-          </a:prstGeom>
-        </p:spPr>
-      </p:pic>
-      <p:pic>
-        <p:nvPicPr>
-          <p:cNvPr id="8" name="Picture 7" descr="A green square with a white x on it&#10;&#10;Description automatically generated">
-            <a:extLst>
-              <a:ext uri="{FF2B5EF4-FFF2-40B4-BE49-F238E27FC236}">
-                <a16:creationId xmlns:a16="http://schemas.microsoft.com/office/drawing/2014/main" id="{49A2EDE9-1F8F-3D98-5D90-A473AB91A6F6}"/>
-              </a:ext>
-            </a:extLst>
-          </p:cNvPr>
-          <p:cNvPicPr>
-            <a:picLocks noChangeAspect="1"/>
-          </p:cNvPicPr>
-          <p:nvPr/>
-        </p:nvPicPr>
-        <p:blipFill>
-          <a:blip r:embed="rId5" cstate="print">
-            <a:extLst>
-              <a:ext uri="{28A0092B-C50C-407E-A947-70E740481C1C}">
-                <a14:useLocalDpi xmlns:a14="http://schemas.microsoft.com/office/drawing/2010/main" val="0"/>
-              </a:ext>
-            </a:extLst>
-          </a:blip>
-          <a:stretch>
-            <a:fillRect/>
-          </a:stretch>
-        </p:blipFill>
-        <p:spPr>
-          <a:xfrm>
-            <a:off x="5786322" y="2967993"/>
-            <a:ext cx="5932299" cy="5522929"/>
-          </a:xfrm>
-          <a:prstGeom prst="rect">
-            <a:avLst/>
-          </a:prstGeom>
-        </p:spPr>
-      </p:pic>
-      <p:pic>
-        <p:nvPicPr>
-          <p:cNvPr id="10" name="Picture 9" descr="A blue and yellow snake logo&#10;&#10;Description automatically generated">
-            <a:extLst>
-              <a:ext uri="{FF2B5EF4-FFF2-40B4-BE49-F238E27FC236}">
-                <a16:creationId xmlns:a16="http://schemas.microsoft.com/office/drawing/2014/main" id="{8543FE77-32A7-251C-01A1-46ACB62A469C}"/>
-              </a:ext>
-            </a:extLst>
-          </p:cNvPr>
-          <p:cNvPicPr>
-            <a:picLocks noChangeAspect="1"/>
-          </p:cNvPicPr>
-          <p:nvPr/>
-        </p:nvPicPr>
-        <p:blipFill>
-          <a:blip r:embed="rId6">
-            <a:extLst>
-              <a:ext uri="{28A0092B-C50C-407E-A947-70E740481C1C}">
-                <a14:useLocalDpi xmlns:a14="http://schemas.microsoft.com/office/drawing/2010/main" val="0"/>
-              </a:ext>
-            </a:extLst>
-          </a:blip>
-          <a:stretch>
-            <a:fillRect/>
-          </a:stretch>
-        </p:blipFill>
-        <p:spPr>
-          <a:xfrm>
-            <a:off x="293499" y="3390900"/>
-            <a:ext cx="5105400" cy="5603177"/>
-          </a:xfrm>
-          <a:prstGeom prst="rect">
-            <a:avLst/>
-          </a:prstGeom>
-        </p:spPr>
-      </p:pic>
-    </p:spTree>
-    <p:extLst>
-      <p:ext uri="{BB962C8B-B14F-4D97-AF65-F5344CB8AC3E}">
-        <p14:creationId xmlns:p14="http://schemas.microsoft.com/office/powerpoint/2010/main" val="4278852698"/>
-      </p:ext>
-    </p:extLst>
-  </p:cSld>
-  <p:clrMapOvr>
-    <a:masterClrMapping/>
-  </p:clrMapOvr>
-</p:sld>
-</file>
-
-<file path=ppt/slides/slide12.xml><?xml version="1.0" encoding="utf-8"?>
-<p:sld xmlns:a="http://schemas.openxmlformats.org/drawingml/2006/main" xmlns:r="http://schemas.openxmlformats.org/officeDocument/2006/relationships" xmlns:p="http://schemas.openxmlformats.org/presentationml/2006/main">
-  <p:cSld>
-    <p:spTree>
-      <p:nvGrpSpPr>
         <p:cNvPr id="1" name=""/>
         <p:cNvGrpSpPr/>
         <p:nvPr/>
@@ -6049,7 +5324,7 @@
 </p:sld>
 </file>
 
-<file path=ppt/slides/slide13.xml><?xml version="1.0" encoding="utf-8"?>
+<file path=ppt/slides/slide11.xml><?xml version="1.0" encoding="utf-8"?>
 <p:sld xmlns:a="http://schemas.openxmlformats.org/drawingml/2006/main" xmlns:r="http://schemas.openxmlformats.org/officeDocument/2006/relationships" xmlns:p="http://schemas.openxmlformats.org/presentationml/2006/main">
   <p:cSld>
     <p:spTree>
@@ -6159,7 +5434,7 @@
 </p:sld>
 </file>
 
-<file path=ppt/slides/slide14.xml><?xml version="1.0" encoding="utf-8"?>
+<file path=ppt/slides/slide12.xml><?xml version="1.0" encoding="utf-8"?>
 <p:sld xmlns:a="http://schemas.openxmlformats.org/drawingml/2006/main" xmlns:r="http://schemas.openxmlformats.org/officeDocument/2006/relationships" xmlns:p="http://schemas.openxmlformats.org/presentationml/2006/main">
   <p:cSld>
     <p:spTree>
@@ -6299,7 +5574,7 @@
 </p:sld>
 </file>
 
-<file path=ppt/slides/slide15.xml><?xml version="1.0" encoding="utf-8"?>
+<file path=ppt/slides/slide13.xml><?xml version="1.0" encoding="utf-8"?>
 <p:sld xmlns:a="http://schemas.openxmlformats.org/drawingml/2006/main" xmlns:r="http://schemas.openxmlformats.org/officeDocument/2006/relationships" xmlns:p="http://schemas.openxmlformats.org/presentationml/2006/main">
   <p:cSld>
     <p:spTree>
@@ -6941,7 +6216,7 @@
 </p:sld>
 </file>
 
-<file path=ppt/slides/slide16.xml><?xml version="1.0" encoding="utf-8"?>
+<file path=ppt/slides/slide14.xml><?xml version="1.0" encoding="utf-8"?>
 <p:sld xmlns:a="http://schemas.openxmlformats.org/drawingml/2006/main" xmlns:r="http://schemas.openxmlformats.org/officeDocument/2006/relationships" xmlns:p="http://schemas.openxmlformats.org/presentationml/2006/main">
   <p:cSld>
     <p:spTree>
@@ -7735,7 +7010,7 @@
 </p:sld>
 </file>
 
-<file path=ppt/slides/slide17.xml><?xml version="1.0" encoding="utf-8"?>
+<file path=ppt/slides/slide15.xml><?xml version="1.0" encoding="utf-8"?>
 <p:sld xmlns:a="http://schemas.openxmlformats.org/drawingml/2006/main" xmlns:r="http://schemas.openxmlformats.org/officeDocument/2006/relationships" xmlns:p="http://schemas.openxmlformats.org/presentationml/2006/main">
   <p:cSld>
     <p:spTree>
@@ -7914,7 +7189,7 @@
 </p:sld>
 </file>
 
-<file path=ppt/slides/slide18.xml><?xml version="1.0" encoding="utf-8"?>
+<file path=ppt/slides/slide16.xml><?xml version="1.0" encoding="utf-8"?>
 <p:sld xmlns:a="http://schemas.openxmlformats.org/drawingml/2006/main" xmlns:r="http://schemas.openxmlformats.org/officeDocument/2006/relationships" xmlns:p="http://schemas.openxmlformats.org/presentationml/2006/main">
   <p:cSld>
     <p:spTree>
@@ -8072,7 +7347,7 @@
 </p:sld>
 </file>
 
-<file path=ppt/slides/slide19.xml><?xml version="1.0" encoding="utf-8"?>
+<file path=ppt/slides/slide17.xml><?xml version="1.0" encoding="utf-8"?>
 <p:sld xmlns:a="http://schemas.openxmlformats.org/drawingml/2006/main" xmlns:r="http://schemas.openxmlformats.org/officeDocument/2006/relationships" xmlns:p="http://schemas.openxmlformats.org/presentationml/2006/main">
   <p:cSld>
     <p:spTree>
@@ -8800,7 +8075,7 @@
         <p:cNvPr id="1" name="">
           <a:extLst>
             <a:ext uri="{FF2B5EF4-FFF2-40B4-BE49-F238E27FC236}">
-              <a16:creationId xmlns:a16="http://schemas.microsoft.com/office/drawing/2014/main" id="{091CEEB3-2C34-A0F9-1ABF-D9CB59C6521E}"/>
+              <a16:creationId xmlns:a16="http://schemas.microsoft.com/office/drawing/2014/main" id="{4C3292F4-83A3-1C6F-5664-DBAAF91DE021}"/>
             </a:ext>
           </a:extLst>
         </p:cNvPr>
@@ -8820,7 +8095,7 @@
           <p:cNvPr id="11" name="TextBox 10">
             <a:extLst>
               <a:ext uri="{FF2B5EF4-FFF2-40B4-BE49-F238E27FC236}">
-                <a16:creationId xmlns:a16="http://schemas.microsoft.com/office/drawing/2014/main" id="{9D45D45D-6A62-2FCB-690F-9458780F61D9}"/>
+                <a16:creationId xmlns:a16="http://schemas.microsoft.com/office/drawing/2014/main" id="{9D5F29C7-0C01-750E-23AF-E6AB785C720B}"/>
               </a:ext>
             </a:extLst>
           </p:cNvPr>
@@ -8857,7 +8132,7 @@
           <p:cNvPr id="15" name="Picture 14" descr="A close up of a sign&#10;&#10;Description automatically generated">
             <a:extLst>
               <a:ext uri="{FF2B5EF4-FFF2-40B4-BE49-F238E27FC236}">
-                <a16:creationId xmlns:a16="http://schemas.microsoft.com/office/drawing/2014/main" id="{B35A100B-4E0B-69D0-8339-1C212377B0EA}"/>
+                <a16:creationId xmlns:a16="http://schemas.microsoft.com/office/drawing/2014/main" id="{1A6AE21C-E781-26C7-550B-6295B1F44958}"/>
               </a:ext>
             </a:extLst>
           </p:cNvPr>
@@ -8890,154 +8165,10 @@
       </p:pic>
       <p:pic>
         <p:nvPicPr>
-          <p:cNvPr id="5" name="Content Placeholder 4" descr="A screenshot of a computer&#10;&#10;AI-generated content may be incorrect.">
+          <p:cNvPr id="7" name="Picture 6">
             <a:extLst>
               <a:ext uri="{FF2B5EF4-FFF2-40B4-BE49-F238E27FC236}">
-                <a16:creationId xmlns:a16="http://schemas.microsoft.com/office/drawing/2014/main" id="{9B083A41-822E-24E2-B244-F70D3EA0F905}"/>
-              </a:ext>
-            </a:extLst>
-          </p:cNvPr>
-          <p:cNvPicPr>
-            <a:picLocks noChangeAspect="1"/>
-          </p:cNvPicPr>
-          <p:nvPr/>
-        </p:nvPicPr>
-        <p:blipFill>
-          <a:blip r:embed="rId4">
-            <a:extLst>
-              <a:ext uri="{28A0092B-C50C-407E-A947-70E740481C1C}">
-                <a14:useLocalDpi xmlns:a14="http://schemas.microsoft.com/office/drawing/2010/main" val="0"/>
-              </a:ext>
-            </a:extLst>
-          </a:blip>
-          <a:srcRect t="20604" b="21301"/>
-          <a:stretch/>
-        </p:blipFill>
-        <p:spPr>
-          <a:xfrm>
-            <a:off x="2743200" y="2095500"/>
-            <a:ext cx="12115800" cy="7038703"/>
-          </a:xfrm>
-          <a:prstGeom prst="rect">
-            <a:avLst/>
-          </a:prstGeom>
-        </p:spPr>
-      </p:pic>
-    </p:spTree>
-    <p:extLst>
-      <p:ext uri="{BB962C8B-B14F-4D97-AF65-F5344CB8AC3E}">
-        <p14:creationId xmlns:p14="http://schemas.microsoft.com/office/powerpoint/2010/main" val="2446553207"/>
-      </p:ext>
-    </p:extLst>
-  </p:cSld>
-  <p:clrMapOvr>
-    <a:masterClrMapping/>
-  </p:clrMapOvr>
-</p:sld>
-</file>
-
-<file path=ppt/slides/slide5.xml><?xml version="1.0" encoding="utf-8"?>
-<p:sld xmlns:a="http://schemas.openxmlformats.org/drawingml/2006/main" xmlns:r="http://schemas.openxmlformats.org/officeDocument/2006/relationships" xmlns:p="http://schemas.openxmlformats.org/presentationml/2006/main">
-  <p:cSld>
-    <p:spTree>
-      <p:nvGrpSpPr>
-        <p:cNvPr id="1" name="">
-          <a:extLst>
-            <a:ext uri="{FF2B5EF4-FFF2-40B4-BE49-F238E27FC236}">
-              <a16:creationId xmlns:a16="http://schemas.microsoft.com/office/drawing/2014/main" id="{4C3292F4-83A3-1C6F-5664-DBAAF91DE021}"/>
-            </a:ext>
-          </a:extLst>
-        </p:cNvPr>
-        <p:cNvGrpSpPr/>
-        <p:nvPr/>
-      </p:nvGrpSpPr>
-      <p:grpSpPr>
-        <a:xfrm>
-          <a:off x="0" y="0"/>
-          <a:ext cx="0" cy="0"/>
-          <a:chOff x="0" y="0"/>
-          <a:chExt cx="0" cy="0"/>
-        </a:xfrm>
-      </p:grpSpPr>
-      <p:sp>
-        <p:nvSpPr>
-          <p:cNvPr id="11" name="TextBox 10">
-            <a:extLst>
-              <a:ext uri="{FF2B5EF4-FFF2-40B4-BE49-F238E27FC236}">
-                <a16:creationId xmlns:a16="http://schemas.microsoft.com/office/drawing/2014/main" id="{9D5F29C7-0C01-750E-23AF-E6AB785C720B}"/>
-              </a:ext>
-            </a:extLst>
-          </p:cNvPr>
-          <p:cNvSpPr txBox="1"/>
-          <p:nvPr/>
-        </p:nvSpPr>
-        <p:spPr>
-          <a:xfrm>
-            <a:off x="520861" y="170082"/>
-            <a:ext cx="17309939" cy="1477328"/>
-          </a:xfrm>
-          <a:prstGeom prst="rect">
-            <a:avLst/>
-          </a:prstGeom>
-          <a:noFill/>
-        </p:spPr>
-        <p:txBody>
-          <a:bodyPr wrap="square" rtlCol="0">
-            <a:spAutoFit/>
-          </a:bodyPr>
-          <a:lstStyle/>
-          <a:p>
-            <a:r>
-              <a:rPr lang="en-US" sz="9000" dirty="0">
-                <a:latin typeface="Aliens &amp; cows" panose="00000500000000000000" pitchFamily="2" charset="0"/>
-              </a:rPr>
-              <a:t>Python in Excel… not enough? </a:t>
-            </a:r>
-          </a:p>
-        </p:txBody>
-      </p:sp>
-      <p:pic>
-        <p:nvPicPr>
-          <p:cNvPr id="15" name="Picture 14" descr="A close up of a sign&#10;&#10;Description automatically generated">
-            <a:extLst>
-              <a:ext uri="{FF2B5EF4-FFF2-40B4-BE49-F238E27FC236}">
-                <a16:creationId xmlns:a16="http://schemas.microsoft.com/office/drawing/2014/main" id="{1A6AE21C-E781-26C7-550B-6295B1F44958}"/>
-              </a:ext>
-            </a:extLst>
-          </p:cNvPr>
-          <p:cNvPicPr>
-            <a:picLocks noChangeAspect="1"/>
-          </p:cNvPicPr>
-          <p:nvPr/>
-        </p:nvPicPr>
-        <p:blipFill>
-          <a:blip r:embed="rId3">
-            <a:extLst>
-              <a:ext uri="{28A0092B-C50C-407E-A947-70E740481C1C}">
-                <a14:useLocalDpi xmlns:a14="http://schemas.microsoft.com/office/drawing/2010/main" val="0"/>
-              </a:ext>
-            </a:extLst>
-          </a:blip>
-          <a:stretch>
-            <a:fillRect/>
-          </a:stretch>
-        </p:blipFill>
-        <p:spPr>
-          <a:xfrm>
-            <a:off x="16341036" y="8058429"/>
-            <a:ext cx="1942857" cy="2228571"/>
-          </a:xfrm>
-          <a:prstGeom prst="rect">
-            <a:avLst/>
-          </a:prstGeom>
-        </p:spPr>
-      </p:pic>
-      <p:pic>
-        <p:nvPicPr>
-          <p:cNvPr id="9" name="Picture 8">
-            <a:extLst>
-              <a:ext uri="{FF2B5EF4-FFF2-40B4-BE49-F238E27FC236}">
-                <a16:creationId xmlns:a16="http://schemas.microsoft.com/office/drawing/2014/main" id="{1525273F-47DE-8F83-6D97-844CA34B1589}"/>
+                <a16:creationId xmlns:a16="http://schemas.microsoft.com/office/drawing/2014/main" id="{0CA1B416-D808-AB59-125C-E1F4207AFB1F}"/>
               </a:ext>
             </a:extLst>
           </p:cNvPr>
@@ -9054,8 +8185,8 @@
         </p:blipFill>
         <p:spPr>
           <a:xfrm>
-            <a:off x="1143000" y="1535139"/>
-            <a:ext cx="14685399" cy="8581779"/>
+            <a:off x="1866189" y="1639467"/>
+            <a:ext cx="14555621" cy="8477451"/>
           </a:xfrm>
           <a:prstGeom prst="rect">
             <a:avLst/>
@@ -9076,7 +8207,7 @@
         </p:nvSpPr>
         <p:spPr>
           <a:xfrm>
-            <a:off x="10287000" y="5520898"/>
+            <a:off x="7756800" y="5564652"/>
             <a:ext cx="2400837" cy="646331"/>
           </a:xfrm>
           <a:prstGeom prst="rect">
@@ -9092,7 +8223,7 @@
           <a:p>
             <a:r>
               <a:rPr lang="en-US" b="1" dirty="0"/>
-              <a:t>Python in Excel announcement</a:t>
+              <a:t>Python in Excel public preview 8/22/23</a:t>
             </a:r>
           </a:p>
         </p:txBody>
@@ -9111,7 +8242,7 @@
         </p:nvCxnSpPr>
         <p:spPr>
           <a:xfrm>
-            <a:off x="10896600" y="6134100"/>
+            <a:off x="9296400" y="6210983"/>
             <a:ext cx="304800" cy="457200"/>
           </a:xfrm>
           <a:prstGeom prst="straightConnector1">
@@ -9149,6 +8280,150 @@
 </p:sld>
 </file>
 
+<file path=ppt/slides/slide5.xml><?xml version="1.0" encoding="utf-8"?>
+<p:sld xmlns:a="http://schemas.openxmlformats.org/drawingml/2006/main" xmlns:r="http://schemas.openxmlformats.org/officeDocument/2006/relationships" xmlns:p="http://schemas.openxmlformats.org/presentationml/2006/main">
+  <p:cSld>
+    <p:spTree>
+      <p:nvGrpSpPr>
+        <p:cNvPr id="1" name="">
+          <a:extLst>
+            <a:ext uri="{FF2B5EF4-FFF2-40B4-BE49-F238E27FC236}">
+              <a16:creationId xmlns:a16="http://schemas.microsoft.com/office/drawing/2014/main" id="{091CEEB3-2C34-A0F9-1ABF-D9CB59C6521E}"/>
+            </a:ext>
+          </a:extLst>
+        </p:cNvPr>
+        <p:cNvGrpSpPr/>
+        <p:nvPr/>
+      </p:nvGrpSpPr>
+      <p:grpSpPr>
+        <a:xfrm>
+          <a:off x="0" y="0"/>
+          <a:ext cx="0" cy="0"/>
+          <a:chOff x="0" y="0"/>
+          <a:chExt cx="0" cy="0"/>
+        </a:xfrm>
+      </p:grpSpPr>
+      <p:sp>
+        <p:nvSpPr>
+          <p:cNvPr id="11" name="TextBox 10">
+            <a:extLst>
+              <a:ext uri="{FF2B5EF4-FFF2-40B4-BE49-F238E27FC236}">
+                <a16:creationId xmlns:a16="http://schemas.microsoft.com/office/drawing/2014/main" id="{9D45D45D-6A62-2FCB-690F-9458780F61D9}"/>
+              </a:ext>
+            </a:extLst>
+          </p:cNvPr>
+          <p:cNvSpPr txBox="1"/>
+          <p:nvPr/>
+        </p:nvSpPr>
+        <p:spPr>
+          <a:xfrm>
+            <a:off x="520861" y="170082"/>
+            <a:ext cx="17309939" cy="1477328"/>
+          </a:xfrm>
+          <a:prstGeom prst="rect">
+            <a:avLst/>
+          </a:prstGeom>
+          <a:noFill/>
+        </p:spPr>
+        <p:txBody>
+          <a:bodyPr wrap="square" rtlCol="0">
+            <a:spAutoFit/>
+          </a:bodyPr>
+          <a:lstStyle/>
+          <a:p>
+            <a:r>
+              <a:rPr lang="en-US" sz="9000" dirty="0">
+                <a:latin typeface="Aliens &amp; cows" panose="00000500000000000000" pitchFamily="2" charset="0"/>
+              </a:rPr>
+              <a:t>Python in Excel… not enough? </a:t>
+            </a:r>
+          </a:p>
+        </p:txBody>
+      </p:sp>
+      <p:pic>
+        <p:nvPicPr>
+          <p:cNvPr id="15" name="Picture 14" descr="A close up of a sign&#10;&#10;Description automatically generated">
+            <a:extLst>
+              <a:ext uri="{FF2B5EF4-FFF2-40B4-BE49-F238E27FC236}">
+                <a16:creationId xmlns:a16="http://schemas.microsoft.com/office/drawing/2014/main" id="{B35A100B-4E0B-69D0-8339-1C212377B0EA}"/>
+              </a:ext>
+            </a:extLst>
+          </p:cNvPr>
+          <p:cNvPicPr>
+            <a:picLocks noChangeAspect="1"/>
+          </p:cNvPicPr>
+          <p:nvPr/>
+        </p:nvPicPr>
+        <p:blipFill>
+          <a:blip r:embed="rId3">
+            <a:extLst>
+              <a:ext uri="{28A0092B-C50C-407E-A947-70E740481C1C}">
+                <a14:useLocalDpi xmlns:a14="http://schemas.microsoft.com/office/drawing/2010/main" val="0"/>
+              </a:ext>
+            </a:extLst>
+          </a:blip>
+          <a:stretch>
+            <a:fillRect/>
+          </a:stretch>
+        </p:blipFill>
+        <p:spPr>
+          <a:xfrm>
+            <a:off x="16341036" y="8058429"/>
+            <a:ext cx="1942857" cy="2228571"/>
+          </a:xfrm>
+          <a:prstGeom prst="rect">
+            <a:avLst/>
+          </a:prstGeom>
+        </p:spPr>
+      </p:pic>
+      <p:pic>
+        <p:nvPicPr>
+          <p:cNvPr id="5" name="Content Placeholder 4" descr="A screenshot of a computer&#10;&#10;AI-generated content may be incorrect.">
+            <a:extLst>
+              <a:ext uri="{FF2B5EF4-FFF2-40B4-BE49-F238E27FC236}">
+                <a16:creationId xmlns:a16="http://schemas.microsoft.com/office/drawing/2014/main" id="{9B083A41-822E-24E2-B244-F70D3EA0F905}"/>
+              </a:ext>
+            </a:extLst>
+          </p:cNvPr>
+          <p:cNvPicPr>
+            <a:picLocks noChangeAspect="1"/>
+          </p:cNvPicPr>
+          <p:nvPr/>
+        </p:nvPicPr>
+        <p:blipFill>
+          <a:blip r:embed="rId4">
+            <a:extLst>
+              <a:ext uri="{28A0092B-C50C-407E-A947-70E740481C1C}">
+                <a14:useLocalDpi xmlns:a14="http://schemas.microsoft.com/office/drawing/2010/main" val="0"/>
+              </a:ext>
+            </a:extLst>
+          </a:blip>
+          <a:srcRect t="20604" b="21301"/>
+          <a:stretch/>
+        </p:blipFill>
+        <p:spPr>
+          <a:xfrm>
+            <a:off x="2743200" y="2095500"/>
+            <a:ext cx="12115800" cy="7038703"/>
+          </a:xfrm>
+          <a:prstGeom prst="rect">
+            <a:avLst/>
+          </a:prstGeom>
+        </p:spPr>
+      </p:pic>
+    </p:spTree>
+    <p:extLst>
+      <p:ext uri="{BB962C8B-B14F-4D97-AF65-F5344CB8AC3E}">
+        <p14:creationId xmlns:p14="http://schemas.microsoft.com/office/powerpoint/2010/main" val="2446553207"/>
+      </p:ext>
+    </p:extLst>
+  </p:cSld>
+  <p:clrMapOvr>
+    <a:masterClrMapping/>
+  </p:clrMapOvr>
+</p:sld>
+</file>
+
 <file path=ppt/slides/slide6.xml><?xml version="1.0" encoding="utf-8"?>
 <p:sld xmlns:a="http://schemas.openxmlformats.org/drawingml/2006/main" xmlns:r="http://schemas.openxmlformats.org/officeDocument/2006/relationships" xmlns:p="http://schemas.openxmlformats.org/presentationml/2006/main">
   <p:cSld>
@@ -9172,6 +8447,36 @@
           <a:chExt cx="0" cy="0"/>
         </a:xfrm>
       </p:grpSpPr>
+      <p:pic>
+        <p:nvPicPr>
+          <p:cNvPr id="8" name="Picture 7">
+            <a:extLst>
+              <a:ext uri="{FF2B5EF4-FFF2-40B4-BE49-F238E27FC236}">
+                <a16:creationId xmlns:a16="http://schemas.microsoft.com/office/drawing/2014/main" id="{D3DECE79-47C5-364F-914C-88B96C7AABD2}"/>
+              </a:ext>
+            </a:extLst>
+          </p:cNvPr>
+          <p:cNvPicPr>
+            <a:picLocks noChangeAspect="1"/>
+          </p:cNvPicPr>
+          <p:nvPr/>
+        </p:nvPicPr>
+        <p:blipFill>
+          <a:blip r:embed="rId3"/>
+          <a:stretch>
+            <a:fillRect/>
+          </a:stretch>
+        </p:blipFill>
+        <p:spPr>
+          <a:xfrm>
+            <a:off x="1898019" y="1647410"/>
+            <a:ext cx="14555621" cy="8477451"/>
+          </a:xfrm>
+          <a:prstGeom prst="rect">
+            <a:avLst/>
+          </a:prstGeom>
+        </p:spPr>
+      </p:pic>
       <p:sp>
         <p:nvSpPr>
           <p:cNvPr id="11" name="TextBox 10">
@@ -9224,7 +8529,7 @@
           <p:nvPr/>
         </p:nvPicPr>
         <p:blipFill>
-          <a:blip r:embed="rId3">
+          <a:blip r:embed="rId4">
             <a:extLst>
               <a:ext uri="{28A0092B-C50C-407E-A947-70E740481C1C}">
                 <a14:useLocalDpi xmlns:a14="http://schemas.microsoft.com/office/drawing/2010/main" val="0"/>
@@ -9245,36 +8550,6 @@
           </a:prstGeom>
         </p:spPr>
       </p:pic>
-      <p:pic>
-        <p:nvPicPr>
-          <p:cNvPr id="9" name="Picture 8">
-            <a:extLst>
-              <a:ext uri="{FF2B5EF4-FFF2-40B4-BE49-F238E27FC236}">
-                <a16:creationId xmlns:a16="http://schemas.microsoft.com/office/drawing/2014/main" id="{15E75768-63D2-8089-E93C-2E2FF0B471E0}"/>
-              </a:ext>
-            </a:extLst>
-          </p:cNvPr>
-          <p:cNvPicPr>
-            <a:picLocks noChangeAspect="1"/>
-          </p:cNvPicPr>
-          <p:nvPr/>
-        </p:nvPicPr>
-        <p:blipFill>
-          <a:blip r:embed="rId4"/>
-          <a:stretch>
-            <a:fillRect/>
-          </a:stretch>
-        </p:blipFill>
-        <p:spPr>
-          <a:xfrm>
-            <a:off x="1143000" y="1535139"/>
-            <a:ext cx="14685399" cy="8581779"/>
-          </a:xfrm>
-          <a:prstGeom prst="rect">
-            <a:avLst/>
-          </a:prstGeom>
-        </p:spPr>
-      </p:pic>
       <p:sp>
         <p:nvSpPr>
           <p:cNvPr id="2" name="TextBox 1">
@@ -9289,7 +8564,7 @@
         </p:nvSpPr>
         <p:spPr>
           <a:xfrm>
-            <a:off x="10287000" y="5520898"/>
+            <a:off x="7772400" y="5524500"/>
             <a:ext cx="2400837" cy="646331"/>
           </a:xfrm>
           <a:prstGeom prst="rect">
@@ -9305,7 +8580,7 @@
           <a:p>
             <a:r>
               <a:rPr lang="en-US" b="1" dirty="0"/>
-              <a:t>Python in Excel announcement</a:t>
+              <a:t>Python in Excel public preview 8/22/23</a:t>
             </a:r>
           </a:p>
         </p:txBody>
@@ -9319,12 +8594,14 @@
               </a:ext>
             </a:extLst>
           </p:cNvPr>
-          <p:cNvCxnSpPr/>
+          <p:cNvCxnSpPr>
+            <a:cxnSpLocks/>
+          </p:cNvCxnSpPr>
           <p:nvPr/>
         </p:nvCxnSpPr>
         <p:spPr>
           <a:xfrm>
-            <a:off x="10896600" y="6134100"/>
+            <a:off x="9473677" y="6155738"/>
             <a:ext cx="304800" cy="457200"/>
           </a:xfrm>
           <a:prstGeom prst="straightConnector1">
@@ -9363,8 +8640,8 @@
         </p:nvSpPr>
         <p:spPr>
           <a:xfrm>
-            <a:off x="11823539" y="6580031"/>
-            <a:ext cx="2400837" cy="646331"/>
+            <a:off x="10515600" y="6315121"/>
+            <a:ext cx="2400837" cy="923330"/>
           </a:xfrm>
           <a:prstGeom prst="rect">
             <a:avLst/>
@@ -9379,7 +8656,7 @@
           <a:p>
             <a:r>
               <a:rPr lang="en-US" b="1" dirty="0"/>
-              <a:t>Copilot in Excel announcement</a:t>
+              <a:t>Microsoft 365 Copilot commercially available 11/01/23</a:t>
             </a:r>
           </a:p>
         </p:txBody>
@@ -9399,9 +8676,9 @@
           <p:nvPr/>
         </p:nvCxnSpPr>
         <p:spPr>
-          <a:xfrm>
-            <a:off x="12535437" y="7155307"/>
-            <a:ext cx="266163" cy="376979"/>
+          <a:xfrm flipH="1">
+            <a:off x="10668000" y="7277100"/>
+            <a:ext cx="76200" cy="341946"/>
           </a:xfrm>
           <a:prstGeom prst="straightConnector1">
             <a:avLst/>
@@ -9590,7 +8867,7 @@
         <p:cNvPr id="1" name="">
           <a:extLst>
             <a:ext uri="{FF2B5EF4-FFF2-40B4-BE49-F238E27FC236}">
-              <a16:creationId xmlns:a16="http://schemas.microsoft.com/office/drawing/2014/main" id="{2873BA01-E420-EE6D-4CC4-16C13000F659}"/>
+              <a16:creationId xmlns:a16="http://schemas.microsoft.com/office/drawing/2014/main" id="{77B78123-507D-6B5F-0800-E1DC90528AEB}"/>
             </a:ext>
           </a:extLst>
         </p:cNvPr>
@@ -9610,7 +8887,7 @@
           <p:cNvPr id="11" name="TextBox 10">
             <a:extLst>
               <a:ext uri="{FF2B5EF4-FFF2-40B4-BE49-F238E27FC236}">
-                <a16:creationId xmlns:a16="http://schemas.microsoft.com/office/drawing/2014/main" id="{CA54BF7A-F039-9B3E-AAD5-C4E5D73E1F68}"/>
+                <a16:creationId xmlns:a16="http://schemas.microsoft.com/office/drawing/2014/main" id="{E61B5300-DEB6-F0C9-2121-EF9147664403}"/>
               </a:ext>
             </a:extLst>
           </p:cNvPr>
@@ -9620,7 +8897,7 @@
         <p:spPr>
           <a:xfrm>
             <a:off x="520861" y="170082"/>
-            <a:ext cx="17309939" cy="1477328"/>
+            <a:ext cx="17309939" cy="1200329"/>
           </a:xfrm>
           <a:prstGeom prst="rect">
             <a:avLst/>
@@ -9634,10 +8911,10 @@
           <a:lstStyle/>
           <a:p>
             <a:r>
-              <a:rPr lang="en-US" sz="9000" dirty="0">
+              <a:rPr lang="en-US" sz="7200" dirty="0">
                 <a:latin typeface="Aliens &amp; cows" panose="00000500000000000000" pitchFamily="2" charset="0"/>
               </a:rPr>
-              <a:t>Copilot in Excel… not enough? </a:t>
+              <a:t>Copilot + Python + Excel… maybe enough?</a:t>
             </a:r>
           </a:p>
         </p:txBody>
@@ -9647,7 +8924,7 @@
           <p:cNvPr id="15" name="Picture 14" descr="A close up of a sign&#10;&#10;Description automatically generated">
             <a:extLst>
               <a:ext uri="{FF2B5EF4-FFF2-40B4-BE49-F238E27FC236}">
-                <a16:creationId xmlns:a16="http://schemas.microsoft.com/office/drawing/2014/main" id="{3DEB4C2E-B2C1-C94C-AD83-9DEC6C38FA9C}"/>
+                <a16:creationId xmlns:a16="http://schemas.microsoft.com/office/drawing/2014/main" id="{2260B8B6-C693-019A-1480-F10AF61F07DC}"/>
               </a:ext>
             </a:extLst>
           </p:cNvPr>
@@ -9680,10 +8957,10 @@
       </p:pic>
       <p:pic>
         <p:nvPicPr>
-          <p:cNvPr id="6" name="Picture 5">
+          <p:cNvPr id="10" name="Picture 9">
             <a:extLst>
               <a:ext uri="{FF2B5EF4-FFF2-40B4-BE49-F238E27FC236}">
-                <a16:creationId xmlns:a16="http://schemas.microsoft.com/office/drawing/2014/main" id="{0D55C19C-DEE9-3CDC-3928-99A92BC233BC}"/>
+                <a16:creationId xmlns:a16="http://schemas.microsoft.com/office/drawing/2014/main" id="{59CCEC15-D88C-9C97-67DE-8958D84BFDE8}"/>
               </a:ext>
             </a:extLst>
           </p:cNvPr>
@@ -9700,8 +8977,8 @@
         </p:blipFill>
         <p:spPr>
           <a:xfrm>
-            <a:off x="914400" y="1624026"/>
-            <a:ext cx="14282800" cy="8483769"/>
+            <a:off x="1676400" y="1714500"/>
+            <a:ext cx="14020800" cy="8206866"/>
           </a:xfrm>
           <a:prstGeom prst="rect">
             <a:avLst/>
@@ -9710,10 +8987,10 @@
       </p:pic>
       <p:sp>
         <p:nvSpPr>
-          <p:cNvPr id="2" name="TextBox 1">
+          <p:cNvPr id="12" name="TextBox 11">
             <a:extLst>
               <a:ext uri="{FF2B5EF4-FFF2-40B4-BE49-F238E27FC236}">
-                <a16:creationId xmlns:a16="http://schemas.microsoft.com/office/drawing/2014/main" id="{0AAEBBDD-2DB8-E423-0257-2C26EE4EBCC7}"/>
+                <a16:creationId xmlns:a16="http://schemas.microsoft.com/office/drawing/2014/main" id="{24ED2F5C-9EEE-64F2-C84B-F416BEF6F4DA}"/>
               </a:ext>
             </a:extLst>
           </p:cNvPr>
@@ -9722,7 +8999,7 @@
         </p:nvSpPr>
         <p:spPr>
           <a:xfrm>
-            <a:off x="10287000" y="5520898"/>
+            <a:off x="7848600" y="5343479"/>
             <a:ext cx="2400837" cy="646331"/>
           </a:xfrm>
           <a:prstGeom prst="rect">
@@ -9738,26 +9015,28 @@
           <a:p>
             <a:r>
               <a:rPr lang="en-US" b="1" dirty="0"/>
-              <a:t>Python in Excel announcement</a:t>
+              <a:t>Python in Excel public preview 8/22/23</a:t>
             </a:r>
           </a:p>
         </p:txBody>
       </p:sp>
       <p:cxnSp>
         <p:nvCxnSpPr>
-          <p:cNvPr id="4" name="Straight Arrow Connector 3">
+          <p:cNvPr id="13" name="Straight Arrow Connector 12">
             <a:extLst>
               <a:ext uri="{FF2B5EF4-FFF2-40B4-BE49-F238E27FC236}">
-                <a16:creationId xmlns:a16="http://schemas.microsoft.com/office/drawing/2014/main" id="{FB673B21-36D0-FE8A-F2A2-52B589D98DA1}"/>
+                <a16:creationId xmlns:a16="http://schemas.microsoft.com/office/drawing/2014/main" id="{A53EFC30-7FFC-0CF7-19AA-B68B355698D3}"/>
               </a:ext>
             </a:extLst>
           </p:cNvPr>
-          <p:cNvCxnSpPr/>
+          <p:cNvCxnSpPr>
+            <a:cxnSpLocks/>
+          </p:cNvCxnSpPr>
           <p:nvPr/>
         </p:nvCxnSpPr>
         <p:spPr>
           <a:xfrm>
-            <a:off x="10896600" y="6134100"/>
+            <a:off x="9549877" y="5974717"/>
             <a:ext cx="304800" cy="457200"/>
           </a:xfrm>
           <a:prstGeom prst="straightConnector1">
@@ -9784,10 +9063,10 @@
       </p:cxnSp>
       <p:sp>
         <p:nvSpPr>
-          <p:cNvPr id="3" name="TextBox 2">
+          <p:cNvPr id="14" name="TextBox 13">
             <a:extLst>
               <a:ext uri="{FF2B5EF4-FFF2-40B4-BE49-F238E27FC236}">
-                <a16:creationId xmlns:a16="http://schemas.microsoft.com/office/drawing/2014/main" id="{AEC4F492-0FF8-F3A6-74A9-E497AB29CDF0}"/>
+                <a16:creationId xmlns:a16="http://schemas.microsoft.com/office/drawing/2014/main" id="{D4658393-3D2B-CCAA-F70E-EBF9DB85969C}"/>
               </a:ext>
             </a:extLst>
           </p:cNvPr>
@@ -9796,8 +9075,8 @@
         </p:nvSpPr>
         <p:spPr>
           <a:xfrm>
-            <a:off x="11823539" y="6580031"/>
-            <a:ext cx="2400837" cy="646331"/>
+            <a:off x="10591800" y="6134100"/>
+            <a:ext cx="2400837" cy="923330"/>
           </a:xfrm>
           <a:prstGeom prst="rect">
             <a:avLst/>
@@ -9812,17 +9091,17 @@
           <a:p>
             <a:r>
               <a:rPr lang="en-US" b="1" dirty="0"/>
-              <a:t>Copilot in Excel announcement</a:t>
+              <a:t>Microsoft 365 Copilot commercially available 11/1/23</a:t>
             </a:r>
           </a:p>
         </p:txBody>
       </p:sp>
       <p:cxnSp>
         <p:nvCxnSpPr>
-          <p:cNvPr id="7" name="Straight Arrow Connector 6">
+          <p:cNvPr id="16" name="Straight Arrow Connector 15">
             <a:extLst>
               <a:ext uri="{FF2B5EF4-FFF2-40B4-BE49-F238E27FC236}">
-                <a16:creationId xmlns:a16="http://schemas.microsoft.com/office/drawing/2014/main" id="{A2107CB3-8BE7-DF12-AC98-FF886271F1A9}"/>
+                <a16:creationId xmlns:a16="http://schemas.microsoft.com/office/drawing/2014/main" id="{064FB940-64EB-0057-D1D5-ED08D918E553}"/>
               </a:ext>
             </a:extLst>
           </p:cNvPr>
@@ -9832,9 +9111,9 @@
           <p:nvPr/>
         </p:nvCxnSpPr>
         <p:spPr>
-          <a:xfrm>
-            <a:off x="12535437" y="7155307"/>
-            <a:ext cx="266163" cy="376979"/>
+          <a:xfrm flipH="1">
+            <a:off x="10744200" y="7096079"/>
+            <a:ext cx="76200" cy="341946"/>
           </a:xfrm>
           <a:prstGeom prst="straightConnector1">
             <a:avLst/>
@@ -9858,196 +9137,24 @@
           </a:fontRef>
         </p:style>
       </p:cxnSp>
-    </p:spTree>
-    <p:extLst>
-      <p:ext uri="{BB962C8B-B14F-4D97-AF65-F5344CB8AC3E}">
-        <p14:creationId xmlns:p14="http://schemas.microsoft.com/office/powerpoint/2010/main" val="3123897086"/>
-      </p:ext>
-    </p:extLst>
-  </p:cSld>
-  <p:clrMapOvr>
-    <a:masterClrMapping/>
-  </p:clrMapOvr>
-</p:sld>
-</file>
-
-<file path=ppt/slides/slide9.xml><?xml version="1.0" encoding="utf-8"?>
-<p:sld xmlns:a="http://schemas.openxmlformats.org/drawingml/2006/main" xmlns:r="http://schemas.openxmlformats.org/officeDocument/2006/relationships" xmlns:p="http://schemas.openxmlformats.org/presentationml/2006/main">
-  <p:cSld>
-    <p:spTree>
-      <p:nvGrpSpPr>
-        <p:cNvPr id="1" name="">
-          <a:extLst>
-            <a:ext uri="{FF2B5EF4-FFF2-40B4-BE49-F238E27FC236}">
-              <a16:creationId xmlns:a16="http://schemas.microsoft.com/office/drawing/2014/main" id="{42253E35-051A-680A-90BC-C14A09843006}"/>
-            </a:ext>
-          </a:extLst>
-        </p:cNvPr>
-        <p:cNvGrpSpPr/>
-        <p:nvPr/>
-      </p:nvGrpSpPr>
-      <p:grpSpPr>
-        <a:xfrm>
-          <a:off x="0" y="0"/>
-          <a:ext cx="0" cy="0"/>
-          <a:chOff x="0" y="0"/>
-          <a:chExt cx="0" cy="0"/>
-        </a:xfrm>
-      </p:grpSpPr>
-      <p:sp>
-        <p:nvSpPr>
-          <p:cNvPr id="11" name="TextBox 10">
-            <a:extLst>
-              <a:ext uri="{FF2B5EF4-FFF2-40B4-BE49-F238E27FC236}">
-                <a16:creationId xmlns:a16="http://schemas.microsoft.com/office/drawing/2014/main" id="{E318004C-0D8C-1626-E347-267A099E271A}"/>
-              </a:ext>
-            </a:extLst>
-          </p:cNvPr>
-          <p:cNvSpPr txBox="1"/>
-          <p:nvPr/>
-        </p:nvSpPr>
-        <p:spPr>
-          <a:xfrm>
-            <a:off x="520861" y="170082"/>
-            <a:ext cx="17309939" cy="1477328"/>
-          </a:xfrm>
-          <a:prstGeom prst="rect">
-            <a:avLst/>
-          </a:prstGeom>
-          <a:noFill/>
-        </p:spPr>
-        <p:txBody>
-          <a:bodyPr wrap="square" rtlCol="0">
-            <a:spAutoFit/>
-          </a:bodyPr>
-          <a:lstStyle/>
-          <a:p>
-            <a:r>
-              <a:rPr lang="en-US" sz="9000" dirty="0">
-                <a:latin typeface="Aliens &amp; cows" panose="00000500000000000000" pitchFamily="2" charset="0"/>
-              </a:rPr>
-              <a:t>Copilot in Excel… not enough? </a:t>
-            </a:r>
-          </a:p>
-        </p:txBody>
-      </p:sp>
-      <p:pic>
-        <p:nvPicPr>
-          <p:cNvPr id="15" name="Picture 14" descr="A close up of a sign&#10;&#10;Description automatically generated">
-            <a:extLst>
-              <a:ext uri="{FF2B5EF4-FFF2-40B4-BE49-F238E27FC236}">
-                <a16:creationId xmlns:a16="http://schemas.microsoft.com/office/drawing/2014/main" id="{8C115F9F-74F5-B7D5-FE05-F06B7FE6F57B}"/>
-              </a:ext>
-            </a:extLst>
-          </p:cNvPr>
-          <p:cNvPicPr>
-            <a:picLocks noChangeAspect="1"/>
-          </p:cNvPicPr>
-          <p:nvPr/>
-        </p:nvPicPr>
-        <p:blipFill>
-          <a:blip r:embed="rId3">
-            <a:extLst>
-              <a:ext uri="{28A0092B-C50C-407E-A947-70E740481C1C}">
-                <a14:useLocalDpi xmlns:a14="http://schemas.microsoft.com/office/drawing/2010/main" val="0"/>
-              </a:ext>
-            </a:extLst>
-          </a:blip>
-          <a:stretch>
-            <a:fillRect/>
-          </a:stretch>
-        </p:blipFill>
-        <p:spPr>
-          <a:xfrm>
-            <a:off x="16341036" y="8058429"/>
-            <a:ext cx="1942857" cy="2228571"/>
-          </a:xfrm>
-          <a:prstGeom prst="rect">
-            <a:avLst/>
-          </a:prstGeom>
-        </p:spPr>
-      </p:pic>
-      <p:pic>
-        <p:nvPicPr>
-          <p:cNvPr id="6" name="Picture 5">
-            <a:extLst>
-              <a:ext uri="{FF2B5EF4-FFF2-40B4-BE49-F238E27FC236}">
-                <a16:creationId xmlns:a16="http://schemas.microsoft.com/office/drawing/2014/main" id="{7F575523-0676-7198-86C8-C6D3F1D50049}"/>
-              </a:ext>
-            </a:extLst>
-          </p:cNvPr>
-          <p:cNvPicPr>
-            <a:picLocks noChangeAspect="1"/>
-          </p:cNvPicPr>
-          <p:nvPr/>
-        </p:nvPicPr>
-        <p:blipFill>
-          <a:blip r:embed="rId4"/>
-          <a:stretch>
-            <a:fillRect/>
-          </a:stretch>
-        </p:blipFill>
-        <p:spPr>
-          <a:xfrm>
-            <a:off x="914400" y="1624026"/>
-            <a:ext cx="14282800" cy="8483769"/>
-          </a:xfrm>
-          <a:prstGeom prst="rect">
-            <a:avLst/>
-          </a:prstGeom>
-        </p:spPr>
-      </p:pic>
-      <p:sp>
-        <p:nvSpPr>
-          <p:cNvPr id="2" name="TextBox 1">
-            <a:extLst>
-              <a:ext uri="{FF2B5EF4-FFF2-40B4-BE49-F238E27FC236}">
-                <a16:creationId xmlns:a16="http://schemas.microsoft.com/office/drawing/2014/main" id="{BB00A7B5-1E76-E25C-F9F9-59C6F2E5A72B}"/>
-              </a:ext>
-            </a:extLst>
-          </p:cNvPr>
-          <p:cNvSpPr txBox="1"/>
-          <p:nvPr/>
-        </p:nvSpPr>
-        <p:spPr>
-          <a:xfrm>
-            <a:off x="10287000" y="5520898"/>
-            <a:ext cx="2400837" cy="646331"/>
-          </a:xfrm>
-          <a:prstGeom prst="rect">
-            <a:avLst/>
-          </a:prstGeom>
-          <a:noFill/>
-        </p:spPr>
-        <p:txBody>
-          <a:bodyPr wrap="square" rtlCol="0">
-            <a:spAutoFit/>
-          </a:bodyPr>
-          <a:lstStyle/>
-          <a:p>
-            <a:r>
-              <a:rPr lang="en-US" b="1" dirty="0"/>
-              <a:t>Python in Excel announcement</a:t>
-            </a:r>
-          </a:p>
-        </p:txBody>
-      </p:sp>
       <p:cxnSp>
         <p:nvCxnSpPr>
-          <p:cNvPr id="4" name="Straight Arrow Connector 3">
+          <p:cNvPr id="17" name="Straight Arrow Connector 16">
             <a:extLst>
               <a:ext uri="{FF2B5EF4-FFF2-40B4-BE49-F238E27FC236}">
-                <a16:creationId xmlns:a16="http://schemas.microsoft.com/office/drawing/2014/main" id="{DD440242-641B-7A7F-EC49-5B7CA3A17167}"/>
+                <a16:creationId xmlns:a16="http://schemas.microsoft.com/office/drawing/2014/main" id="{64CFEF3E-2B55-2DD3-A2D7-9105B5B7CA94}"/>
               </a:ext>
             </a:extLst>
           </p:cNvPr>
-          <p:cNvCxnSpPr/>
+          <p:cNvCxnSpPr>
+            <a:cxnSpLocks/>
+          </p:cNvCxnSpPr>
           <p:nvPr/>
         </p:nvCxnSpPr>
         <p:spPr>
-          <a:xfrm>
-            <a:off x="10896600" y="6134100"/>
-            <a:ext cx="304800" cy="457200"/>
+          <a:xfrm flipH="1" flipV="1">
+            <a:off x="13792200" y="8648700"/>
+            <a:ext cx="76200" cy="381000"/>
           </a:xfrm>
           <a:prstGeom prst="straightConnector1">
             <a:avLst/>
@@ -10073,10 +9180,10 @@
       </p:cxnSp>
       <p:sp>
         <p:nvSpPr>
-          <p:cNvPr id="3" name="TextBox 2">
+          <p:cNvPr id="21" name="TextBox 20">
             <a:extLst>
               <a:ext uri="{FF2B5EF4-FFF2-40B4-BE49-F238E27FC236}">
-                <a16:creationId xmlns:a16="http://schemas.microsoft.com/office/drawing/2014/main" id="{784C1E97-5743-C667-632B-E1EAA980DAE8}"/>
+                <a16:creationId xmlns:a16="http://schemas.microsoft.com/office/drawing/2014/main" id="{58A37B35-38BE-8CD9-43C3-085CB6AA3D97}"/>
               </a:ext>
             </a:extLst>
           </p:cNvPr>
@@ -10085,8 +9192,8 @@
         </p:nvSpPr>
         <p:spPr>
           <a:xfrm>
-            <a:off x="11823539" y="6580031"/>
-            <a:ext cx="2400837" cy="646331"/>
+            <a:off x="11963400" y="9050623"/>
+            <a:ext cx="3200400" cy="646331"/>
           </a:xfrm>
           <a:prstGeom prst="rect">
             <a:avLst/>
@@ -10101,56 +9208,220 @@
           <a:p>
             <a:r>
               <a:rPr lang="en-US" b="1" dirty="0"/>
-              <a:t>Copilot in Excel announcement</a:t>
-            </a:r>
-          </a:p>
-        </p:txBody>
-      </p:sp>
-      <p:cxnSp>
-        <p:nvCxnSpPr>
-          <p:cNvPr id="7" name="Straight Arrow Connector 6">
-            <a:extLst>
-              <a:ext uri="{FF2B5EF4-FFF2-40B4-BE49-F238E27FC236}">
-                <a16:creationId xmlns:a16="http://schemas.microsoft.com/office/drawing/2014/main" id="{5A67BACA-6DDA-92DA-9F1B-E150A8A11372}"/>
-              </a:ext>
-            </a:extLst>
-          </p:cNvPr>
-          <p:cNvCxnSpPr>
-            <a:cxnSpLocks/>
-          </p:cNvCxnSpPr>
-          <p:nvPr/>
-        </p:nvCxnSpPr>
-        <p:spPr>
-          <a:xfrm>
-            <a:off x="12535437" y="7155307"/>
-            <a:ext cx="266163" cy="376979"/>
-          </a:xfrm>
-          <a:prstGeom prst="straightConnector1">
-            <a:avLst/>
-          </a:prstGeom>
-          <a:ln>
-            <a:tailEnd type="triangle"/>
-          </a:ln>
-        </p:spPr>
-        <p:style>
-          <a:lnRef idx="1">
-            <a:schemeClr val="accent1"/>
-          </a:lnRef>
-          <a:fillRef idx="0">
-            <a:schemeClr val="accent1"/>
-          </a:fillRef>
-          <a:effectRef idx="0">
-            <a:schemeClr val="accent1"/>
-          </a:effectRef>
-          <a:fontRef idx="minor">
-            <a:schemeClr val="tx1"/>
-          </a:fontRef>
-        </p:style>
-      </p:cxnSp>
+              <a:t>Advanced Analysis in Copilot public preview 9/16/24</a:t>
+            </a:r>
+          </a:p>
+        </p:txBody>
+      </p:sp>
     </p:spTree>
     <p:extLst>
       <p:ext uri="{BB962C8B-B14F-4D97-AF65-F5344CB8AC3E}">
-        <p14:creationId xmlns:p14="http://schemas.microsoft.com/office/powerpoint/2010/main" val="393743864"/>
+        <p14:creationId xmlns:p14="http://schemas.microsoft.com/office/powerpoint/2010/main" val="3016591975"/>
+      </p:ext>
+    </p:extLst>
+  </p:cSld>
+  <p:clrMapOvr>
+    <a:masterClrMapping/>
+  </p:clrMapOvr>
+</p:sld>
+</file>
+
+<file path=ppt/slides/slide9.xml><?xml version="1.0" encoding="utf-8"?>
+<p:sld xmlns:a="http://schemas.openxmlformats.org/drawingml/2006/main" xmlns:r="http://schemas.openxmlformats.org/officeDocument/2006/relationships" xmlns:p="http://schemas.openxmlformats.org/presentationml/2006/main">
+  <p:cSld>
+    <p:spTree>
+      <p:nvGrpSpPr>
+        <p:cNvPr id="1" name=""/>
+        <p:cNvGrpSpPr/>
+        <p:nvPr/>
+      </p:nvGrpSpPr>
+      <p:grpSpPr>
+        <a:xfrm>
+          <a:off x="0" y="0"/>
+          <a:ext cx="0" cy="0"/>
+          <a:chOff x="0" y="0"/>
+          <a:chExt cx="0" cy="0"/>
+        </a:xfrm>
+      </p:grpSpPr>
+      <p:sp>
+        <p:nvSpPr>
+          <p:cNvPr id="11" name="TextBox 10"/>
+          <p:cNvSpPr txBox="1"/>
+          <p:nvPr/>
+        </p:nvSpPr>
+        <p:spPr>
+          <a:xfrm>
+            <a:off x="520861" y="170082"/>
+            <a:ext cx="16166939" cy="1107996"/>
+          </a:xfrm>
+          <a:prstGeom prst="rect">
+            <a:avLst/>
+          </a:prstGeom>
+          <a:noFill/>
+        </p:spPr>
+        <p:txBody>
+          <a:bodyPr wrap="square" rtlCol="0">
+            <a:spAutoFit/>
+          </a:bodyPr>
+          <a:lstStyle/>
+          <a:p>
+            <a:r>
+              <a:rPr lang="en-US" sz="6600" dirty="0">
+                <a:latin typeface="Aliens &amp; cows" panose="00000500000000000000" pitchFamily="2" charset="0"/>
+              </a:rPr>
+              <a:t>The most ambitious crossover event in history</a:t>
+            </a:r>
+          </a:p>
+        </p:txBody>
+      </p:sp>
+      <p:pic>
+        <p:nvPicPr>
+          <p:cNvPr id="15" name="Picture 14" descr="A close up of a sign&#10;&#10;Description automatically generated">
+            <a:extLst>
+              <a:ext uri="{FF2B5EF4-FFF2-40B4-BE49-F238E27FC236}">
+                <a16:creationId xmlns:a16="http://schemas.microsoft.com/office/drawing/2014/main" id="{29761B90-A7DE-4A60-A915-F085BD87CAB4}"/>
+              </a:ext>
+            </a:extLst>
+          </p:cNvPr>
+          <p:cNvPicPr>
+            <a:picLocks noChangeAspect="1"/>
+          </p:cNvPicPr>
+          <p:nvPr/>
+        </p:nvPicPr>
+        <p:blipFill>
+          <a:blip r:embed="rId3">
+            <a:extLst>
+              <a:ext uri="{28A0092B-C50C-407E-A947-70E740481C1C}">
+                <a14:useLocalDpi xmlns:a14="http://schemas.microsoft.com/office/drawing/2010/main" val="0"/>
+              </a:ext>
+            </a:extLst>
+          </a:blip>
+          <a:stretch>
+            <a:fillRect/>
+          </a:stretch>
+        </p:blipFill>
+        <p:spPr>
+          <a:xfrm>
+            <a:off x="16341036" y="8058429"/>
+            <a:ext cx="1942857" cy="2228571"/>
+          </a:xfrm>
+          <a:prstGeom prst="rect">
+            <a:avLst/>
+          </a:prstGeom>
+        </p:spPr>
+      </p:pic>
+      <p:pic>
+        <p:nvPicPr>
+          <p:cNvPr id="6" name="Picture 5" descr="A rainbow colored logo on a black background&#10;&#10;Description automatically generated">
+            <a:extLst>
+              <a:ext uri="{FF2B5EF4-FFF2-40B4-BE49-F238E27FC236}">
+                <a16:creationId xmlns:a16="http://schemas.microsoft.com/office/drawing/2014/main" id="{C2866380-30B4-458B-7A21-7BE3C090840D}"/>
+              </a:ext>
+            </a:extLst>
+          </p:cNvPr>
+          <p:cNvPicPr>
+            <a:picLocks noChangeAspect="1"/>
+          </p:cNvPicPr>
+          <p:nvPr/>
+        </p:nvPicPr>
+        <p:blipFill>
+          <a:blip r:embed="rId4" cstate="print">
+            <a:extLst>
+              <a:ext uri="{28A0092B-C50C-407E-A947-70E740481C1C}">
+                <a14:useLocalDpi xmlns:a14="http://schemas.microsoft.com/office/drawing/2010/main" val="0"/>
+              </a:ext>
+            </a:extLst>
+          </a:blip>
+          <a:stretch>
+            <a:fillRect/>
+          </a:stretch>
+        </p:blipFill>
+        <p:spPr>
+          <a:xfrm>
+            <a:off x="12053054" y="2754978"/>
+            <a:ext cx="5948960" cy="5948960"/>
+          </a:xfrm>
+          <a:prstGeom prst="rect">
+            <a:avLst/>
+          </a:prstGeom>
+        </p:spPr>
+      </p:pic>
+      <p:pic>
+        <p:nvPicPr>
+          <p:cNvPr id="8" name="Picture 7" descr="A green square with a white x on it&#10;&#10;Description automatically generated">
+            <a:extLst>
+              <a:ext uri="{FF2B5EF4-FFF2-40B4-BE49-F238E27FC236}">
+                <a16:creationId xmlns:a16="http://schemas.microsoft.com/office/drawing/2014/main" id="{49A2EDE9-1F8F-3D98-5D90-A473AB91A6F6}"/>
+              </a:ext>
+            </a:extLst>
+          </p:cNvPr>
+          <p:cNvPicPr>
+            <a:picLocks noChangeAspect="1"/>
+          </p:cNvPicPr>
+          <p:nvPr/>
+        </p:nvPicPr>
+        <p:blipFill>
+          <a:blip r:embed="rId5" cstate="print">
+            <a:extLst>
+              <a:ext uri="{28A0092B-C50C-407E-A947-70E740481C1C}">
+                <a14:useLocalDpi xmlns:a14="http://schemas.microsoft.com/office/drawing/2010/main" val="0"/>
+              </a:ext>
+            </a:extLst>
+          </a:blip>
+          <a:stretch>
+            <a:fillRect/>
+          </a:stretch>
+        </p:blipFill>
+        <p:spPr>
+          <a:xfrm>
+            <a:off x="5786322" y="2967993"/>
+            <a:ext cx="5932299" cy="5522929"/>
+          </a:xfrm>
+          <a:prstGeom prst="rect">
+            <a:avLst/>
+          </a:prstGeom>
+        </p:spPr>
+      </p:pic>
+      <p:pic>
+        <p:nvPicPr>
+          <p:cNvPr id="10" name="Picture 9" descr="A blue and yellow snake logo&#10;&#10;Description automatically generated">
+            <a:extLst>
+              <a:ext uri="{FF2B5EF4-FFF2-40B4-BE49-F238E27FC236}">
+                <a16:creationId xmlns:a16="http://schemas.microsoft.com/office/drawing/2014/main" id="{8543FE77-32A7-251C-01A1-46ACB62A469C}"/>
+              </a:ext>
+            </a:extLst>
+          </p:cNvPr>
+          <p:cNvPicPr>
+            <a:picLocks noChangeAspect="1"/>
+          </p:cNvPicPr>
+          <p:nvPr/>
+        </p:nvPicPr>
+        <p:blipFill>
+          <a:blip r:embed="rId6">
+            <a:extLst>
+              <a:ext uri="{28A0092B-C50C-407E-A947-70E740481C1C}">
+                <a14:useLocalDpi xmlns:a14="http://schemas.microsoft.com/office/drawing/2010/main" val="0"/>
+              </a:ext>
+            </a:extLst>
+          </a:blip>
+          <a:stretch>
+            <a:fillRect/>
+          </a:stretch>
+        </p:blipFill>
+        <p:spPr>
+          <a:xfrm>
+            <a:off x="293499" y="3390900"/>
+            <a:ext cx="5105400" cy="5603177"/>
+          </a:xfrm>
+          <a:prstGeom prst="rect">
+            <a:avLst/>
+          </a:prstGeom>
+        </p:spPr>
+      </p:pic>
+    </p:spTree>
+    <p:extLst>
+      <p:ext uri="{BB962C8B-B14F-4D97-AF65-F5344CB8AC3E}">
+        <p14:creationId xmlns:p14="http://schemas.microsoft.com/office/powerpoint/2010/main" val="4278852698"/>
       </p:ext>
     </p:extLst>
   </p:cSld>
